--- a/images/model figure.pptx
+++ b/images/model figure.pptx
@@ -259,7 +259,7 @@
           <a:p>
             <a:fld id="{6DC9123C-5D75-FD49-8337-8DAD12705FB2}" type="datetimeFigureOut">
               <a:rPr lang="en-US" smtClean="0"/>
-              <a:t>6/7/18</a:t>
+              <a:t>6/9/18</a:t>
             </a:fld>
             <a:endParaRPr lang="en-US"/>
           </a:p>
@@ -457,7 +457,7 @@
           <a:p>
             <a:fld id="{6DC9123C-5D75-FD49-8337-8DAD12705FB2}" type="datetimeFigureOut">
               <a:rPr lang="en-US" smtClean="0"/>
-              <a:t>6/7/18</a:t>
+              <a:t>6/9/18</a:t>
             </a:fld>
             <a:endParaRPr lang="en-US"/>
           </a:p>
@@ -665,7 +665,7 @@
           <a:p>
             <a:fld id="{6DC9123C-5D75-FD49-8337-8DAD12705FB2}" type="datetimeFigureOut">
               <a:rPr lang="en-US" smtClean="0"/>
-              <a:t>6/7/18</a:t>
+              <a:t>6/9/18</a:t>
             </a:fld>
             <a:endParaRPr lang="en-US"/>
           </a:p>
@@ -863,7 +863,7 @@
           <a:p>
             <a:fld id="{6DC9123C-5D75-FD49-8337-8DAD12705FB2}" type="datetimeFigureOut">
               <a:rPr lang="en-US" smtClean="0"/>
-              <a:t>6/7/18</a:t>
+              <a:t>6/9/18</a:t>
             </a:fld>
             <a:endParaRPr lang="en-US"/>
           </a:p>
@@ -1138,7 +1138,7 @@
           <a:p>
             <a:fld id="{6DC9123C-5D75-FD49-8337-8DAD12705FB2}" type="datetimeFigureOut">
               <a:rPr lang="en-US" smtClean="0"/>
-              <a:t>6/7/18</a:t>
+              <a:t>6/9/18</a:t>
             </a:fld>
             <a:endParaRPr lang="en-US"/>
           </a:p>
@@ -1403,7 +1403,7 @@
           <a:p>
             <a:fld id="{6DC9123C-5D75-FD49-8337-8DAD12705FB2}" type="datetimeFigureOut">
               <a:rPr lang="en-US" smtClean="0"/>
-              <a:t>6/7/18</a:t>
+              <a:t>6/9/18</a:t>
             </a:fld>
             <a:endParaRPr lang="en-US"/>
           </a:p>
@@ -1815,7 +1815,7 @@
           <a:p>
             <a:fld id="{6DC9123C-5D75-FD49-8337-8DAD12705FB2}" type="datetimeFigureOut">
               <a:rPr lang="en-US" smtClean="0"/>
-              <a:t>6/7/18</a:t>
+              <a:t>6/9/18</a:t>
             </a:fld>
             <a:endParaRPr lang="en-US"/>
           </a:p>
@@ -1956,7 +1956,7 @@
           <a:p>
             <a:fld id="{6DC9123C-5D75-FD49-8337-8DAD12705FB2}" type="datetimeFigureOut">
               <a:rPr lang="en-US" smtClean="0"/>
-              <a:t>6/7/18</a:t>
+              <a:t>6/9/18</a:t>
             </a:fld>
             <a:endParaRPr lang="en-US"/>
           </a:p>
@@ -2069,7 +2069,7 @@
           <a:p>
             <a:fld id="{6DC9123C-5D75-FD49-8337-8DAD12705FB2}" type="datetimeFigureOut">
               <a:rPr lang="en-US" smtClean="0"/>
-              <a:t>6/7/18</a:t>
+              <a:t>6/9/18</a:t>
             </a:fld>
             <a:endParaRPr lang="en-US"/>
           </a:p>
@@ -2380,7 +2380,7 @@
           <a:p>
             <a:fld id="{6DC9123C-5D75-FD49-8337-8DAD12705FB2}" type="datetimeFigureOut">
               <a:rPr lang="en-US" smtClean="0"/>
-              <a:t>6/7/18</a:t>
+              <a:t>6/9/18</a:t>
             </a:fld>
             <a:endParaRPr lang="en-US"/>
           </a:p>
@@ -2668,7 +2668,7 @@
           <a:p>
             <a:fld id="{6DC9123C-5D75-FD49-8337-8DAD12705FB2}" type="datetimeFigureOut">
               <a:rPr lang="en-US" smtClean="0"/>
-              <a:t>6/7/18</a:t>
+              <a:t>6/9/18</a:t>
             </a:fld>
             <a:endParaRPr lang="en-US"/>
           </a:p>
@@ -2909,7 +2909,7 @@
           <a:p>
             <a:fld id="{6DC9123C-5D75-FD49-8337-8DAD12705FB2}" type="datetimeFigureOut">
               <a:rPr lang="en-US" smtClean="0"/>
-              <a:t>6/7/18</a:t>
+              <a:t>6/9/18</a:t>
             </a:fld>
             <a:endParaRPr lang="en-US"/>
           </a:p>
@@ -3340,8 +3340,8 @@
         </p:nvSpPr>
         <p:spPr>
           <a:xfrm rot="20415852">
-            <a:off x="952089" y="850379"/>
-            <a:ext cx="1429033" cy="494457"/>
+            <a:off x="537487" y="960486"/>
+            <a:ext cx="1258428" cy="444197"/>
           </a:xfrm>
           <a:prstGeom prst="ellipse">
             <a:avLst/>
@@ -3398,7 +3398,7 @@
         </p:nvCxnSpPr>
         <p:spPr>
           <a:xfrm>
-            <a:off x="1706946" y="860044"/>
+            <a:off x="1186623" y="973646"/>
             <a:ext cx="94551" cy="197222"/>
           </a:xfrm>
           <a:prstGeom prst="line">
@@ -3441,7 +3441,7 @@
         </p:nvCxnSpPr>
         <p:spPr>
           <a:xfrm>
-            <a:off x="1552626" y="1136028"/>
+            <a:off x="1057672" y="1194152"/>
             <a:ext cx="94551" cy="197222"/>
           </a:xfrm>
           <a:prstGeom prst="line">
@@ -3484,7 +3484,7 @@
         </p:nvCxnSpPr>
         <p:spPr>
           <a:xfrm>
-            <a:off x="2047604" y="904868"/>
+            <a:off x="1448756" y="1035727"/>
             <a:ext cx="94551" cy="197222"/>
           </a:xfrm>
           <a:prstGeom prst="line">
@@ -3527,7 +3527,7 @@
         </p:nvCxnSpPr>
         <p:spPr>
           <a:xfrm>
-            <a:off x="1186996" y="1066232"/>
+            <a:off x="775869" y="1146058"/>
             <a:ext cx="94551" cy="197222"/>
           </a:xfrm>
           <a:prstGeom prst="line">
@@ -3536,1618 +3536,6 @@
           <a:ln w="76200">
             <a:solidFill>
               <a:srgbClr val="00B050"/>
-            </a:solidFill>
-          </a:ln>
-        </p:spPr>
-        <p:style>
-          <a:lnRef idx="1">
-            <a:schemeClr val="accent1"/>
-          </a:lnRef>
-          <a:fillRef idx="0">
-            <a:schemeClr val="accent1"/>
-          </a:fillRef>
-          <a:effectRef idx="0">
-            <a:schemeClr val="accent1"/>
-          </a:effectRef>
-          <a:fontRef idx="minor">
-            <a:schemeClr val="tx1"/>
-          </a:fontRef>
-        </p:style>
-      </p:cxnSp>
-      <p:sp>
-        <p:nvSpPr>
-          <p:cNvPr id="122" name="Oval 121">
-            <a:extLst>
-              <a:ext uri="{FF2B5EF4-FFF2-40B4-BE49-F238E27FC236}">
-                <a16:creationId xmlns:a16="http://schemas.microsoft.com/office/drawing/2014/main" id="{B395A478-2013-3348-A2A2-F0E9DFEE8485}"/>
-              </a:ext>
-            </a:extLst>
-          </p:cNvPr>
-          <p:cNvSpPr/>
-          <p:nvPr/>
-        </p:nvSpPr>
-        <p:spPr>
-          <a:xfrm rot="20415852">
-            <a:off x="3442242" y="854861"/>
-            <a:ext cx="1429033" cy="494457"/>
-          </a:xfrm>
-          <a:prstGeom prst="ellipse">
-            <a:avLst/>
-          </a:prstGeom>
-          <a:solidFill>
-            <a:schemeClr val="bg2">
-              <a:lumMod val="90000"/>
-            </a:schemeClr>
-          </a:solidFill>
-          <a:ln w="76200">
-            <a:solidFill>
-              <a:srgbClr val="00B050"/>
-            </a:solidFill>
-          </a:ln>
-        </p:spPr>
-        <p:style>
-          <a:lnRef idx="2">
-            <a:schemeClr val="accent1">
-              <a:shade val="50000"/>
-            </a:schemeClr>
-          </a:lnRef>
-          <a:fillRef idx="1">
-            <a:schemeClr val="accent1"/>
-          </a:fillRef>
-          <a:effectRef idx="0">
-            <a:schemeClr val="accent1"/>
-          </a:effectRef>
-          <a:fontRef idx="minor">
-            <a:schemeClr val="lt1"/>
-          </a:fontRef>
-        </p:style>
-        <p:txBody>
-          <a:bodyPr rtlCol="0" anchor="ctr"/>
-          <a:lstStyle/>
-          <a:p>
-            <a:pPr algn="ctr"/>
-            <a:endParaRPr lang="en-US"/>
-          </a:p>
-        </p:txBody>
-      </p:sp>
-      <p:cxnSp>
-        <p:nvCxnSpPr>
-          <p:cNvPr id="123" name="Straight Connector 122">
-            <a:extLst>
-              <a:ext uri="{FF2B5EF4-FFF2-40B4-BE49-F238E27FC236}">
-                <a16:creationId xmlns:a16="http://schemas.microsoft.com/office/drawing/2014/main" id="{F2A64A23-5529-F34D-AF5D-8611326C604D}"/>
-              </a:ext>
-            </a:extLst>
-          </p:cNvPr>
-          <p:cNvCxnSpPr>
-            <a:cxnSpLocks/>
-          </p:cNvCxnSpPr>
-          <p:nvPr/>
-        </p:nvCxnSpPr>
-        <p:spPr>
-          <a:xfrm>
-            <a:off x="4197099" y="864526"/>
-            <a:ext cx="94551" cy="197222"/>
-          </a:xfrm>
-          <a:prstGeom prst="line">
-            <a:avLst/>
-          </a:prstGeom>
-          <a:ln w="76200">
-            <a:solidFill>
-              <a:srgbClr val="00B050"/>
-            </a:solidFill>
-          </a:ln>
-        </p:spPr>
-        <p:style>
-          <a:lnRef idx="1">
-            <a:schemeClr val="accent1"/>
-          </a:lnRef>
-          <a:fillRef idx="0">
-            <a:schemeClr val="accent1"/>
-          </a:fillRef>
-          <a:effectRef idx="0">
-            <a:schemeClr val="accent1"/>
-          </a:effectRef>
-          <a:fontRef idx="minor">
-            <a:schemeClr val="tx1"/>
-          </a:fontRef>
-        </p:style>
-      </p:cxnSp>
-      <p:cxnSp>
-        <p:nvCxnSpPr>
-          <p:cNvPr id="124" name="Straight Connector 123">
-            <a:extLst>
-              <a:ext uri="{FF2B5EF4-FFF2-40B4-BE49-F238E27FC236}">
-                <a16:creationId xmlns:a16="http://schemas.microsoft.com/office/drawing/2014/main" id="{6AF94C98-0F0C-974F-A0E6-3DF4E593AD86}"/>
-              </a:ext>
-            </a:extLst>
-          </p:cNvPr>
-          <p:cNvCxnSpPr>
-            <a:cxnSpLocks/>
-          </p:cNvCxnSpPr>
-          <p:nvPr/>
-        </p:nvCxnSpPr>
-        <p:spPr>
-          <a:xfrm>
-            <a:off x="4042779" y="1140510"/>
-            <a:ext cx="94551" cy="197222"/>
-          </a:xfrm>
-          <a:prstGeom prst="line">
-            <a:avLst/>
-          </a:prstGeom>
-          <a:ln w="76200">
-            <a:solidFill>
-              <a:srgbClr val="00B050"/>
-            </a:solidFill>
-          </a:ln>
-        </p:spPr>
-        <p:style>
-          <a:lnRef idx="1">
-            <a:schemeClr val="accent1"/>
-          </a:lnRef>
-          <a:fillRef idx="0">
-            <a:schemeClr val="accent1"/>
-          </a:fillRef>
-          <a:effectRef idx="0">
-            <a:schemeClr val="accent1"/>
-          </a:effectRef>
-          <a:fontRef idx="minor">
-            <a:schemeClr val="tx1"/>
-          </a:fontRef>
-        </p:style>
-      </p:cxnSp>
-      <p:cxnSp>
-        <p:nvCxnSpPr>
-          <p:cNvPr id="125" name="Straight Connector 124">
-            <a:extLst>
-              <a:ext uri="{FF2B5EF4-FFF2-40B4-BE49-F238E27FC236}">
-                <a16:creationId xmlns:a16="http://schemas.microsoft.com/office/drawing/2014/main" id="{F7187A99-D2A5-7145-91A6-C8E3B8F303EE}"/>
-              </a:ext>
-            </a:extLst>
-          </p:cNvPr>
-          <p:cNvCxnSpPr>
-            <a:cxnSpLocks/>
-          </p:cNvCxnSpPr>
-          <p:nvPr/>
-        </p:nvCxnSpPr>
-        <p:spPr>
-          <a:xfrm>
-            <a:off x="4537757" y="909350"/>
-            <a:ext cx="94551" cy="197222"/>
-          </a:xfrm>
-          <a:prstGeom prst="line">
-            <a:avLst/>
-          </a:prstGeom>
-          <a:ln w="76200">
-            <a:solidFill>
-              <a:srgbClr val="00B050"/>
-            </a:solidFill>
-          </a:ln>
-        </p:spPr>
-        <p:style>
-          <a:lnRef idx="1">
-            <a:schemeClr val="accent1"/>
-          </a:lnRef>
-          <a:fillRef idx="0">
-            <a:schemeClr val="accent1"/>
-          </a:fillRef>
-          <a:effectRef idx="0">
-            <a:schemeClr val="accent1"/>
-          </a:effectRef>
-          <a:fontRef idx="minor">
-            <a:schemeClr val="tx1"/>
-          </a:fontRef>
-        </p:style>
-      </p:cxnSp>
-      <p:cxnSp>
-        <p:nvCxnSpPr>
-          <p:cNvPr id="126" name="Straight Connector 125">
-            <a:extLst>
-              <a:ext uri="{FF2B5EF4-FFF2-40B4-BE49-F238E27FC236}">
-                <a16:creationId xmlns:a16="http://schemas.microsoft.com/office/drawing/2014/main" id="{3FF57CBC-8992-DF4B-BFC0-40D97378F849}"/>
-              </a:ext>
-            </a:extLst>
-          </p:cNvPr>
-          <p:cNvCxnSpPr>
-            <a:cxnSpLocks/>
-          </p:cNvCxnSpPr>
-          <p:nvPr/>
-        </p:nvCxnSpPr>
-        <p:spPr>
-          <a:xfrm>
-            <a:off x="3677149" y="1070714"/>
-            <a:ext cx="94551" cy="197222"/>
-          </a:xfrm>
-          <a:prstGeom prst="line">
-            <a:avLst/>
-          </a:prstGeom>
-          <a:ln w="76200">
-            <a:solidFill>
-              <a:srgbClr val="00B050"/>
-            </a:solidFill>
-          </a:ln>
-        </p:spPr>
-        <p:style>
-          <a:lnRef idx="1">
-            <a:schemeClr val="accent1"/>
-          </a:lnRef>
-          <a:fillRef idx="0">
-            <a:schemeClr val="accent1"/>
-          </a:fillRef>
-          <a:effectRef idx="0">
-            <a:schemeClr val="accent1"/>
-          </a:effectRef>
-          <a:fontRef idx="minor">
-            <a:schemeClr val="tx1"/>
-          </a:fontRef>
-        </p:style>
-      </p:cxnSp>
-      <p:sp>
-        <p:nvSpPr>
-          <p:cNvPr id="127" name="Oval 126">
-            <a:extLst>
-              <a:ext uri="{FF2B5EF4-FFF2-40B4-BE49-F238E27FC236}">
-                <a16:creationId xmlns:a16="http://schemas.microsoft.com/office/drawing/2014/main" id="{D420E5EB-741A-224F-83CC-F6195B0503C7}"/>
-              </a:ext>
-            </a:extLst>
-          </p:cNvPr>
-          <p:cNvSpPr/>
-          <p:nvPr/>
-        </p:nvSpPr>
-        <p:spPr>
-          <a:xfrm rot="20415852">
-            <a:off x="4919929" y="847625"/>
-            <a:ext cx="1429033" cy="494457"/>
-          </a:xfrm>
-          <a:prstGeom prst="ellipse">
-            <a:avLst/>
-          </a:prstGeom>
-          <a:solidFill>
-            <a:schemeClr val="bg2">
-              <a:lumMod val="90000"/>
-            </a:schemeClr>
-          </a:solidFill>
-          <a:ln w="76200">
-            <a:solidFill>
-              <a:srgbClr val="00B050"/>
-            </a:solidFill>
-          </a:ln>
-        </p:spPr>
-        <p:style>
-          <a:lnRef idx="2">
-            <a:schemeClr val="accent1">
-              <a:shade val="50000"/>
-            </a:schemeClr>
-          </a:lnRef>
-          <a:fillRef idx="1">
-            <a:schemeClr val="accent1"/>
-          </a:fillRef>
-          <a:effectRef idx="0">
-            <a:schemeClr val="accent1"/>
-          </a:effectRef>
-          <a:fontRef idx="minor">
-            <a:schemeClr val="lt1"/>
-          </a:fontRef>
-        </p:style>
-        <p:txBody>
-          <a:bodyPr rtlCol="0" anchor="ctr"/>
-          <a:lstStyle/>
-          <a:p>
-            <a:pPr algn="ctr"/>
-            <a:endParaRPr lang="en-US"/>
-          </a:p>
-        </p:txBody>
-      </p:sp>
-      <p:cxnSp>
-        <p:nvCxnSpPr>
-          <p:cNvPr id="128" name="Straight Connector 127">
-            <a:extLst>
-              <a:ext uri="{FF2B5EF4-FFF2-40B4-BE49-F238E27FC236}">
-                <a16:creationId xmlns:a16="http://schemas.microsoft.com/office/drawing/2014/main" id="{2B4DE9AF-28BA-8542-8A3D-E8C59EB7C816}"/>
-              </a:ext>
-            </a:extLst>
-          </p:cNvPr>
-          <p:cNvCxnSpPr>
-            <a:cxnSpLocks/>
-          </p:cNvCxnSpPr>
-          <p:nvPr/>
-        </p:nvCxnSpPr>
-        <p:spPr>
-          <a:xfrm>
-            <a:off x="5674786" y="857290"/>
-            <a:ext cx="94551" cy="197222"/>
-          </a:xfrm>
-          <a:prstGeom prst="line">
-            <a:avLst/>
-          </a:prstGeom>
-          <a:ln w="76200">
-            <a:solidFill>
-              <a:srgbClr val="00B050"/>
-            </a:solidFill>
-          </a:ln>
-        </p:spPr>
-        <p:style>
-          <a:lnRef idx="1">
-            <a:schemeClr val="accent1"/>
-          </a:lnRef>
-          <a:fillRef idx="0">
-            <a:schemeClr val="accent1"/>
-          </a:fillRef>
-          <a:effectRef idx="0">
-            <a:schemeClr val="accent1"/>
-          </a:effectRef>
-          <a:fontRef idx="minor">
-            <a:schemeClr val="tx1"/>
-          </a:fontRef>
-        </p:style>
-      </p:cxnSp>
-      <p:cxnSp>
-        <p:nvCxnSpPr>
-          <p:cNvPr id="129" name="Straight Connector 128">
-            <a:extLst>
-              <a:ext uri="{FF2B5EF4-FFF2-40B4-BE49-F238E27FC236}">
-                <a16:creationId xmlns:a16="http://schemas.microsoft.com/office/drawing/2014/main" id="{69CF1BFF-B205-9740-9F75-6497F6596B41}"/>
-              </a:ext>
-            </a:extLst>
-          </p:cNvPr>
-          <p:cNvCxnSpPr>
-            <a:cxnSpLocks/>
-          </p:cNvCxnSpPr>
-          <p:nvPr/>
-        </p:nvCxnSpPr>
-        <p:spPr>
-          <a:xfrm>
-            <a:off x="5520466" y="1133274"/>
-            <a:ext cx="94551" cy="197222"/>
-          </a:xfrm>
-          <a:prstGeom prst="line">
-            <a:avLst/>
-          </a:prstGeom>
-          <a:ln w="76200">
-            <a:solidFill>
-              <a:srgbClr val="00B050"/>
-            </a:solidFill>
-          </a:ln>
-        </p:spPr>
-        <p:style>
-          <a:lnRef idx="1">
-            <a:schemeClr val="accent1"/>
-          </a:lnRef>
-          <a:fillRef idx="0">
-            <a:schemeClr val="accent1"/>
-          </a:fillRef>
-          <a:effectRef idx="0">
-            <a:schemeClr val="accent1"/>
-          </a:effectRef>
-          <a:fontRef idx="minor">
-            <a:schemeClr val="tx1"/>
-          </a:fontRef>
-        </p:style>
-      </p:cxnSp>
-      <p:cxnSp>
-        <p:nvCxnSpPr>
-          <p:cNvPr id="130" name="Straight Connector 129">
-            <a:extLst>
-              <a:ext uri="{FF2B5EF4-FFF2-40B4-BE49-F238E27FC236}">
-                <a16:creationId xmlns:a16="http://schemas.microsoft.com/office/drawing/2014/main" id="{0E9A45CA-44A0-0843-BFD6-5B54A90DACC8}"/>
-              </a:ext>
-            </a:extLst>
-          </p:cNvPr>
-          <p:cNvCxnSpPr>
-            <a:cxnSpLocks/>
-          </p:cNvCxnSpPr>
-          <p:nvPr/>
-        </p:nvCxnSpPr>
-        <p:spPr>
-          <a:xfrm>
-            <a:off x="6015444" y="902114"/>
-            <a:ext cx="94551" cy="197222"/>
-          </a:xfrm>
-          <a:prstGeom prst="line">
-            <a:avLst/>
-          </a:prstGeom>
-          <a:ln w="76200">
-            <a:solidFill>
-              <a:srgbClr val="00B050"/>
-            </a:solidFill>
-          </a:ln>
-        </p:spPr>
-        <p:style>
-          <a:lnRef idx="1">
-            <a:schemeClr val="accent1"/>
-          </a:lnRef>
-          <a:fillRef idx="0">
-            <a:schemeClr val="accent1"/>
-          </a:fillRef>
-          <a:effectRef idx="0">
-            <a:schemeClr val="accent1"/>
-          </a:effectRef>
-          <a:fontRef idx="minor">
-            <a:schemeClr val="tx1"/>
-          </a:fontRef>
-        </p:style>
-      </p:cxnSp>
-      <p:cxnSp>
-        <p:nvCxnSpPr>
-          <p:cNvPr id="131" name="Straight Connector 130">
-            <a:extLst>
-              <a:ext uri="{FF2B5EF4-FFF2-40B4-BE49-F238E27FC236}">
-                <a16:creationId xmlns:a16="http://schemas.microsoft.com/office/drawing/2014/main" id="{C25A4FF8-6A2F-6F41-8F8F-4DE166D1FAE9}"/>
-              </a:ext>
-            </a:extLst>
-          </p:cNvPr>
-          <p:cNvCxnSpPr>
-            <a:cxnSpLocks/>
-          </p:cNvCxnSpPr>
-          <p:nvPr/>
-        </p:nvCxnSpPr>
-        <p:spPr>
-          <a:xfrm>
-            <a:off x="5154836" y="1063478"/>
-            <a:ext cx="94551" cy="197222"/>
-          </a:xfrm>
-          <a:prstGeom prst="line">
-            <a:avLst/>
-          </a:prstGeom>
-          <a:ln w="76200">
-            <a:solidFill>
-              <a:srgbClr val="00B050"/>
-            </a:solidFill>
-          </a:ln>
-        </p:spPr>
-        <p:style>
-          <a:lnRef idx="1">
-            <a:schemeClr val="accent1"/>
-          </a:lnRef>
-          <a:fillRef idx="0">
-            <a:schemeClr val="accent1"/>
-          </a:fillRef>
-          <a:effectRef idx="0">
-            <a:schemeClr val="accent1"/>
-          </a:effectRef>
-          <a:fontRef idx="minor">
-            <a:schemeClr val="tx1"/>
-          </a:fontRef>
-        </p:style>
-      </p:cxnSp>
-      <p:sp>
-        <p:nvSpPr>
-          <p:cNvPr id="147" name="Oval 146">
-            <a:extLst>
-              <a:ext uri="{FF2B5EF4-FFF2-40B4-BE49-F238E27FC236}">
-                <a16:creationId xmlns:a16="http://schemas.microsoft.com/office/drawing/2014/main" id="{14D17D15-B33D-E14C-91FF-1197D5419D73}"/>
-              </a:ext>
-            </a:extLst>
-          </p:cNvPr>
-          <p:cNvSpPr/>
-          <p:nvPr/>
-        </p:nvSpPr>
-        <p:spPr>
-          <a:xfrm rot="20415852">
-            <a:off x="971204" y="4008711"/>
-            <a:ext cx="1429033" cy="494457"/>
-          </a:xfrm>
-          <a:prstGeom prst="ellipse">
-            <a:avLst/>
-          </a:prstGeom>
-          <a:solidFill>
-            <a:schemeClr val="bg2">
-              <a:lumMod val="90000"/>
-            </a:schemeClr>
-          </a:solidFill>
-          <a:ln w="76200">
-            <a:solidFill>
-              <a:srgbClr val="0070C0"/>
-            </a:solidFill>
-          </a:ln>
-        </p:spPr>
-        <p:style>
-          <a:lnRef idx="2">
-            <a:schemeClr val="accent1">
-              <a:shade val="50000"/>
-            </a:schemeClr>
-          </a:lnRef>
-          <a:fillRef idx="1">
-            <a:schemeClr val="accent1"/>
-          </a:fillRef>
-          <a:effectRef idx="0">
-            <a:schemeClr val="accent1"/>
-          </a:effectRef>
-          <a:fontRef idx="minor">
-            <a:schemeClr val="lt1"/>
-          </a:fontRef>
-        </p:style>
-        <p:txBody>
-          <a:bodyPr rtlCol="0" anchor="ctr"/>
-          <a:lstStyle/>
-          <a:p>
-            <a:pPr algn="ctr"/>
-            <a:endParaRPr lang="en-US">
-              <a:solidFill>
-                <a:srgbClr val="FF9300"/>
-              </a:solidFill>
-            </a:endParaRPr>
-          </a:p>
-        </p:txBody>
-      </p:sp>
-      <p:cxnSp>
-        <p:nvCxnSpPr>
-          <p:cNvPr id="148" name="Straight Connector 147">
-            <a:extLst>
-              <a:ext uri="{FF2B5EF4-FFF2-40B4-BE49-F238E27FC236}">
-                <a16:creationId xmlns:a16="http://schemas.microsoft.com/office/drawing/2014/main" id="{78936008-1242-1649-9F9C-273105846B95}"/>
-              </a:ext>
-            </a:extLst>
-          </p:cNvPr>
-          <p:cNvCxnSpPr>
-            <a:cxnSpLocks/>
-          </p:cNvCxnSpPr>
-          <p:nvPr/>
-        </p:nvCxnSpPr>
-        <p:spPr>
-          <a:xfrm>
-            <a:off x="1726061" y="4018376"/>
-            <a:ext cx="94551" cy="197222"/>
-          </a:xfrm>
-          <a:prstGeom prst="line">
-            <a:avLst/>
-          </a:prstGeom>
-          <a:ln w="76200">
-            <a:solidFill>
-              <a:srgbClr val="0070C0"/>
-            </a:solidFill>
-          </a:ln>
-        </p:spPr>
-        <p:style>
-          <a:lnRef idx="1">
-            <a:schemeClr val="accent1"/>
-          </a:lnRef>
-          <a:fillRef idx="0">
-            <a:schemeClr val="accent1"/>
-          </a:fillRef>
-          <a:effectRef idx="0">
-            <a:schemeClr val="accent1"/>
-          </a:effectRef>
-          <a:fontRef idx="minor">
-            <a:schemeClr val="tx1"/>
-          </a:fontRef>
-        </p:style>
-      </p:cxnSp>
-      <p:cxnSp>
-        <p:nvCxnSpPr>
-          <p:cNvPr id="149" name="Straight Connector 148">
-            <a:extLst>
-              <a:ext uri="{FF2B5EF4-FFF2-40B4-BE49-F238E27FC236}">
-                <a16:creationId xmlns:a16="http://schemas.microsoft.com/office/drawing/2014/main" id="{39122DA5-E7E0-9041-8655-46D602C10E89}"/>
-              </a:ext>
-            </a:extLst>
-          </p:cNvPr>
-          <p:cNvCxnSpPr>
-            <a:cxnSpLocks/>
-          </p:cNvCxnSpPr>
-          <p:nvPr/>
-        </p:nvCxnSpPr>
-        <p:spPr>
-          <a:xfrm>
-            <a:off x="1571741" y="4294360"/>
-            <a:ext cx="94551" cy="197222"/>
-          </a:xfrm>
-          <a:prstGeom prst="line">
-            <a:avLst/>
-          </a:prstGeom>
-          <a:ln w="76200">
-            <a:solidFill>
-              <a:srgbClr val="0070C0"/>
-            </a:solidFill>
-          </a:ln>
-        </p:spPr>
-        <p:style>
-          <a:lnRef idx="1">
-            <a:schemeClr val="accent1"/>
-          </a:lnRef>
-          <a:fillRef idx="0">
-            <a:schemeClr val="accent1"/>
-          </a:fillRef>
-          <a:effectRef idx="0">
-            <a:schemeClr val="accent1"/>
-          </a:effectRef>
-          <a:fontRef idx="minor">
-            <a:schemeClr val="tx1"/>
-          </a:fontRef>
-        </p:style>
-      </p:cxnSp>
-      <p:cxnSp>
-        <p:nvCxnSpPr>
-          <p:cNvPr id="150" name="Straight Connector 149">
-            <a:extLst>
-              <a:ext uri="{FF2B5EF4-FFF2-40B4-BE49-F238E27FC236}">
-                <a16:creationId xmlns:a16="http://schemas.microsoft.com/office/drawing/2014/main" id="{C4DB7F4D-611F-8946-8036-E37829E64B6C}"/>
-              </a:ext>
-            </a:extLst>
-          </p:cNvPr>
-          <p:cNvCxnSpPr>
-            <a:cxnSpLocks/>
-          </p:cNvCxnSpPr>
-          <p:nvPr/>
-        </p:nvCxnSpPr>
-        <p:spPr>
-          <a:xfrm>
-            <a:off x="2066719" y="4063200"/>
-            <a:ext cx="94551" cy="197222"/>
-          </a:xfrm>
-          <a:prstGeom prst="line">
-            <a:avLst/>
-          </a:prstGeom>
-          <a:ln w="76200">
-            <a:solidFill>
-              <a:srgbClr val="0070C0"/>
-            </a:solidFill>
-          </a:ln>
-        </p:spPr>
-        <p:style>
-          <a:lnRef idx="1">
-            <a:schemeClr val="accent1"/>
-          </a:lnRef>
-          <a:fillRef idx="0">
-            <a:schemeClr val="accent1"/>
-          </a:fillRef>
-          <a:effectRef idx="0">
-            <a:schemeClr val="accent1"/>
-          </a:effectRef>
-          <a:fontRef idx="minor">
-            <a:schemeClr val="tx1"/>
-          </a:fontRef>
-        </p:style>
-      </p:cxnSp>
-      <p:cxnSp>
-        <p:nvCxnSpPr>
-          <p:cNvPr id="151" name="Straight Connector 150">
-            <a:extLst>
-              <a:ext uri="{FF2B5EF4-FFF2-40B4-BE49-F238E27FC236}">
-                <a16:creationId xmlns:a16="http://schemas.microsoft.com/office/drawing/2014/main" id="{5148C10B-189A-C34F-9D92-C53424D428FE}"/>
-              </a:ext>
-            </a:extLst>
-          </p:cNvPr>
-          <p:cNvCxnSpPr>
-            <a:cxnSpLocks/>
-          </p:cNvCxnSpPr>
-          <p:nvPr/>
-        </p:nvCxnSpPr>
-        <p:spPr>
-          <a:xfrm>
-            <a:off x="1206111" y="4224564"/>
-            <a:ext cx="94551" cy="197222"/>
-          </a:xfrm>
-          <a:prstGeom prst="line">
-            <a:avLst/>
-          </a:prstGeom>
-          <a:ln w="76200">
-            <a:solidFill>
-              <a:srgbClr val="0070C0"/>
-            </a:solidFill>
-          </a:ln>
-        </p:spPr>
-        <p:style>
-          <a:lnRef idx="1">
-            <a:schemeClr val="accent1"/>
-          </a:lnRef>
-          <a:fillRef idx="0">
-            <a:schemeClr val="accent1"/>
-          </a:fillRef>
-          <a:effectRef idx="0">
-            <a:schemeClr val="accent1"/>
-          </a:effectRef>
-          <a:fontRef idx="minor">
-            <a:schemeClr val="tx1"/>
-          </a:fontRef>
-        </p:style>
-      </p:cxnSp>
-      <p:sp>
-        <p:nvSpPr>
-          <p:cNvPr id="152" name="Oval 151">
-            <a:extLst>
-              <a:ext uri="{FF2B5EF4-FFF2-40B4-BE49-F238E27FC236}">
-                <a16:creationId xmlns:a16="http://schemas.microsoft.com/office/drawing/2014/main" id="{E4E3192B-4448-F647-88DB-C07AA611BBEE}"/>
-              </a:ext>
-            </a:extLst>
-          </p:cNvPr>
-          <p:cNvSpPr/>
-          <p:nvPr/>
-        </p:nvSpPr>
-        <p:spPr>
-          <a:xfrm rot="20415852">
-            <a:off x="3442242" y="3984571"/>
-            <a:ext cx="1429033" cy="494457"/>
-          </a:xfrm>
-          <a:prstGeom prst="ellipse">
-            <a:avLst/>
-          </a:prstGeom>
-          <a:solidFill>
-            <a:schemeClr val="bg2">
-              <a:lumMod val="90000"/>
-            </a:schemeClr>
-          </a:solidFill>
-          <a:ln w="76200">
-            <a:solidFill>
-              <a:srgbClr val="0070C0"/>
-            </a:solidFill>
-          </a:ln>
-        </p:spPr>
-        <p:style>
-          <a:lnRef idx="2">
-            <a:schemeClr val="accent1">
-              <a:shade val="50000"/>
-            </a:schemeClr>
-          </a:lnRef>
-          <a:fillRef idx="1">
-            <a:schemeClr val="accent1"/>
-          </a:fillRef>
-          <a:effectRef idx="0">
-            <a:schemeClr val="accent1"/>
-          </a:effectRef>
-          <a:fontRef idx="minor">
-            <a:schemeClr val="lt1"/>
-          </a:fontRef>
-        </p:style>
-        <p:txBody>
-          <a:bodyPr rtlCol="0" anchor="ctr"/>
-          <a:lstStyle/>
-          <a:p>
-            <a:pPr algn="ctr"/>
-            <a:endParaRPr lang="en-US">
-              <a:solidFill>
-                <a:srgbClr val="FF9300"/>
-              </a:solidFill>
-            </a:endParaRPr>
-          </a:p>
-        </p:txBody>
-      </p:sp>
-      <p:cxnSp>
-        <p:nvCxnSpPr>
-          <p:cNvPr id="153" name="Straight Connector 152">
-            <a:extLst>
-              <a:ext uri="{FF2B5EF4-FFF2-40B4-BE49-F238E27FC236}">
-                <a16:creationId xmlns:a16="http://schemas.microsoft.com/office/drawing/2014/main" id="{1274F44F-644E-0345-B013-D5177BCA0C48}"/>
-              </a:ext>
-            </a:extLst>
-          </p:cNvPr>
-          <p:cNvCxnSpPr>
-            <a:cxnSpLocks/>
-          </p:cNvCxnSpPr>
-          <p:nvPr/>
-        </p:nvCxnSpPr>
-        <p:spPr>
-          <a:xfrm>
-            <a:off x="4197099" y="3994236"/>
-            <a:ext cx="94551" cy="197222"/>
-          </a:xfrm>
-          <a:prstGeom prst="line">
-            <a:avLst/>
-          </a:prstGeom>
-          <a:ln w="76200">
-            <a:solidFill>
-              <a:srgbClr val="0070C0"/>
-            </a:solidFill>
-          </a:ln>
-        </p:spPr>
-        <p:style>
-          <a:lnRef idx="1">
-            <a:schemeClr val="accent1"/>
-          </a:lnRef>
-          <a:fillRef idx="0">
-            <a:schemeClr val="accent1"/>
-          </a:fillRef>
-          <a:effectRef idx="0">
-            <a:schemeClr val="accent1"/>
-          </a:effectRef>
-          <a:fontRef idx="minor">
-            <a:schemeClr val="tx1"/>
-          </a:fontRef>
-        </p:style>
-      </p:cxnSp>
-      <p:cxnSp>
-        <p:nvCxnSpPr>
-          <p:cNvPr id="154" name="Straight Connector 153">
-            <a:extLst>
-              <a:ext uri="{FF2B5EF4-FFF2-40B4-BE49-F238E27FC236}">
-                <a16:creationId xmlns:a16="http://schemas.microsoft.com/office/drawing/2014/main" id="{D51A7B7C-4151-5E45-93BC-D85EA6A6E380}"/>
-              </a:ext>
-            </a:extLst>
-          </p:cNvPr>
-          <p:cNvCxnSpPr>
-            <a:cxnSpLocks/>
-          </p:cNvCxnSpPr>
-          <p:nvPr/>
-        </p:nvCxnSpPr>
-        <p:spPr>
-          <a:xfrm>
-            <a:off x="4042779" y="4270220"/>
-            <a:ext cx="94551" cy="197222"/>
-          </a:xfrm>
-          <a:prstGeom prst="line">
-            <a:avLst/>
-          </a:prstGeom>
-          <a:ln w="76200">
-            <a:solidFill>
-              <a:srgbClr val="0070C0"/>
-            </a:solidFill>
-          </a:ln>
-        </p:spPr>
-        <p:style>
-          <a:lnRef idx="1">
-            <a:schemeClr val="accent1"/>
-          </a:lnRef>
-          <a:fillRef idx="0">
-            <a:schemeClr val="accent1"/>
-          </a:fillRef>
-          <a:effectRef idx="0">
-            <a:schemeClr val="accent1"/>
-          </a:effectRef>
-          <a:fontRef idx="minor">
-            <a:schemeClr val="tx1"/>
-          </a:fontRef>
-        </p:style>
-      </p:cxnSp>
-      <p:cxnSp>
-        <p:nvCxnSpPr>
-          <p:cNvPr id="155" name="Straight Connector 154">
-            <a:extLst>
-              <a:ext uri="{FF2B5EF4-FFF2-40B4-BE49-F238E27FC236}">
-                <a16:creationId xmlns:a16="http://schemas.microsoft.com/office/drawing/2014/main" id="{3EBFB663-F9BD-BE49-9067-F2A44418A997}"/>
-              </a:ext>
-            </a:extLst>
-          </p:cNvPr>
-          <p:cNvCxnSpPr>
-            <a:cxnSpLocks/>
-          </p:cNvCxnSpPr>
-          <p:nvPr/>
-        </p:nvCxnSpPr>
-        <p:spPr>
-          <a:xfrm>
-            <a:off x="4537757" y="4039060"/>
-            <a:ext cx="94551" cy="197222"/>
-          </a:xfrm>
-          <a:prstGeom prst="line">
-            <a:avLst/>
-          </a:prstGeom>
-          <a:ln w="76200">
-            <a:solidFill>
-              <a:srgbClr val="0070C0"/>
-            </a:solidFill>
-          </a:ln>
-        </p:spPr>
-        <p:style>
-          <a:lnRef idx="1">
-            <a:schemeClr val="accent1"/>
-          </a:lnRef>
-          <a:fillRef idx="0">
-            <a:schemeClr val="accent1"/>
-          </a:fillRef>
-          <a:effectRef idx="0">
-            <a:schemeClr val="accent1"/>
-          </a:effectRef>
-          <a:fontRef idx="minor">
-            <a:schemeClr val="tx1"/>
-          </a:fontRef>
-        </p:style>
-      </p:cxnSp>
-      <p:cxnSp>
-        <p:nvCxnSpPr>
-          <p:cNvPr id="156" name="Straight Connector 155">
-            <a:extLst>
-              <a:ext uri="{FF2B5EF4-FFF2-40B4-BE49-F238E27FC236}">
-                <a16:creationId xmlns:a16="http://schemas.microsoft.com/office/drawing/2014/main" id="{DB936B6F-9005-054E-8BB6-F8A92ECA0E39}"/>
-              </a:ext>
-            </a:extLst>
-          </p:cNvPr>
-          <p:cNvCxnSpPr>
-            <a:cxnSpLocks/>
-          </p:cNvCxnSpPr>
-          <p:nvPr/>
-        </p:nvCxnSpPr>
-        <p:spPr>
-          <a:xfrm>
-            <a:off x="3677149" y="4200424"/>
-            <a:ext cx="94551" cy="197222"/>
-          </a:xfrm>
-          <a:prstGeom prst="line">
-            <a:avLst/>
-          </a:prstGeom>
-          <a:ln w="76200">
-            <a:solidFill>
-              <a:srgbClr val="0070C0"/>
-            </a:solidFill>
-          </a:ln>
-        </p:spPr>
-        <p:style>
-          <a:lnRef idx="1">
-            <a:schemeClr val="accent1"/>
-          </a:lnRef>
-          <a:fillRef idx="0">
-            <a:schemeClr val="accent1"/>
-          </a:fillRef>
-          <a:effectRef idx="0">
-            <a:schemeClr val="accent1"/>
-          </a:effectRef>
-          <a:fontRef idx="minor">
-            <a:schemeClr val="tx1"/>
-          </a:fontRef>
-        </p:style>
-      </p:cxnSp>
-      <p:sp>
-        <p:nvSpPr>
-          <p:cNvPr id="157" name="Oval 156">
-            <a:extLst>
-              <a:ext uri="{FF2B5EF4-FFF2-40B4-BE49-F238E27FC236}">
-                <a16:creationId xmlns:a16="http://schemas.microsoft.com/office/drawing/2014/main" id="{E39B276F-DAC9-994C-A1C7-B9F04FDB8F17}"/>
-              </a:ext>
-            </a:extLst>
-          </p:cNvPr>
-          <p:cNvSpPr/>
-          <p:nvPr/>
-        </p:nvSpPr>
-        <p:spPr>
-          <a:xfrm rot="20415852">
-            <a:off x="4919929" y="3977335"/>
-            <a:ext cx="1429033" cy="494457"/>
-          </a:xfrm>
-          <a:prstGeom prst="ellipse">
-            <a:avLst/>
-          </a:prstGeom>
-          <a:solidFill>
-            <a:schemeClr val="bg2">
-              <a:lumMod val="90000"/>
-            </a:schemeClr>
-          </a:solidFill>
-          <a:ln w="76200">
-            <a:solidFill>
-              <a:srgbClr val="0070C0"/>
-            </a:solidFill>
-          </a:ln>
-        </p:spPr>
-        <p:style>
-          <a:lnRef idx="2">
-            <a:schemeClr val="accent1">
-              <a:shade val="50000"/>
-            </a:schemeClr>
-          </a:lnRef>
-          <a:fillRef idx="1">
-            <a:schemeClr val="accent1"/>
-          </a:fillRef>
-          <a:effectRef idx="0">
-            <a:schemeClr val="accent1"/>
-          </a:effectRef>
-          <a:fontRef idx="minor">
-            <a:schemeClr val="lt1"/>
-          </a:fontRef>
-        </p:style>
-        <p:txBody>
-          <a:bodyPr rtlCol="0" anchor="ctr"/>
-          <a:lstStyle/>
-          <a:p>
-            <a:pPr algn="ctr"/>
-            <a:endParaRPr lang="en-US">
-              <a:solidFill>
-                <a:srgbClr val="FF9300"/>
-              </a:solidFill>
-            </a:endParaRPr>
-          </a:p>
-        </p:txBody>
-      </p:sp>
-      <p:cxnSp>
-        <p:nvCxnSpPr>
-          <p:cNvPr id="158" name="Straight Connector 157">
-            <a:extLst>
-              <a:ext uri="{FF2B5EF4-FFF2-40B4-BE49-F238E27FC236}">
-                <a16:creationId xmlns:a16="http://schemas.microsoft.com/office/drawing/2014/main" id="{9D172710-B91F-0B42-9817-48D4EC838A3A}"/>
-              </a:ext>
-            </a:extLst>
-          </p:cNvPr>
-          <p:cNvCxnSpPr>
-            <a:cxnSpLocks/>
-          </p:cNvCxnSpPr>
-          <p:nvPr/>
-        </p:nvCxnSpPr>
-        <p:spPr>
-          <a:xfrm>
-            <a:off x="5674786" y="3987000"/>
-            <a:ext cx="94551" cy="197222"/>
-          </a:xfrm>
-          <a:prstGeom prst="line">
-            <a:avLst/>
-          </a:prstGeom>
-          <a:ln w="76200">
-            <a:solidFill>
-              <a:srgbClr val="0070C0"/>
-            </a:solidFill>
-          </a:ln>
-        </p:spPr>
-        <p:style>
-          <a:lnRef idx="1">
-            <a:schemeClr val="accent1"/>
-          </a:lnRef>
-          <a:fillRef idx="0">
-            <a:schemeClr val="accent1"/>
-          </a:fillRef>
-          <a:effectRef idx="0">
-            <a:schemeClr val="accent1"/>
-          </a:effectRef>
-          <a:fontRef idx="minor">
-            <a:schemeClr val="tx1"/>
-          </a:fontRef>
-        </p:style>
-      </p:cxnSp>
-      <p:cxnSp>
-        <p:nvCxnSpPr>
-          <p:cNvPr id="159" name="Straight Connector 158">
-            <a:extLst>
-              <a:ext uri="{FF2B5EF4-FFF2-40B4-BE49-F238E27FC236}">
-                <a16:creationId xmlns:a16="http://schemas.microsoft.com/office/drawing/2014/main" id="{8D0B3AFF-4760-6D48-A38A-C20C35DB9878}"/>
-              </a:ext>
-            </a:extLst>
-          </p:cNvPr>
-          <p:cNvCxnSpPr>
-            <a:cxnSpLocks/>
-          </p:cNvCxnSpPr>
-          <p:nvPr/>
-        </p:nvCxnSpPr>
-        <p:spPr>
-          <a:xfrm>
-            <a:off x="5520466" y="4262984"/>
-            <a:ext cx="94551" cy="197222"/>
-          </a:xfrm>
-          <a:prstGeom prst="line">
-            <a:avLst/>
-          </a:prstGeom>
-          <a:ln w="76200">
-            <a:solidFill>
-              <a:srgbClr val="0070C0"/>
-            </a:solidFill>
-          </a:ln>
-        </p:spPr>
-        <p:style>
-          <a:lnRef idx="1">
-            <a:schemeClr val="accent1"/>
-          </a:lnRef>
-          <a:fillRef idx="0">
-            <a:schemeClr val="accent1"/>
-          </a:fillRef>
-          <a:effectRef idx="0">
-            <a:schemeClr val="accent1"/>
-          </a:effectRef>
-          <a:fontRef idx="minor">
-            <a:schemeClr val="tx1"/>
-          </a:fontRef>
-        </p:style>
-      </p:cxnSp>
-      <p:cxnSp>
-        <p:nvCxnSpPr>
-          <p:cNvPr id="160" name="Straight Connector 159">
-            <a:extLst>
-              <a:ext uri="{FF2B5EF4-FFF2-40B4-BE49-F238E27FC236}">
-                <a16:creationId xmlns:a16="http://schemas.microsoft.com/office/drawing/2014/main" id="{882BB17D-95A4-1A40-8403-B9A1BFCA2BD7}"/>
-              </a:ext>
-            </a:extLst>
-          </p:cNvPr>
-          <p:cNvCxnSpPr>
-            <a:cxnSpLocks/>
-          </p:cNvCxnSpPr>
-          <p:nvPr/>
-        </p:nvCxnSpPr>
-        <p:spPr>
-          <a:xfrm>
-            <a:off x="6015444" y="4031824"/>
-            <a:ext cx="94551" cy="197222"/>
-          </a:xfrm>
-          <a:prstGeom prst="line">
-            <a:avLst/>
-          </a:prstGeom>
-          <a:ln w="76200">
-            <a:solidFill>
-              <a:srgbClr val="0070C0"/>
-            </a:solidFill>
-          </a:ln>
-        </p:spPr>
-        <p:style>
-          <a:lnRef idx="1">
-            <a:schemeClr val="accent1"/>
-          </a:lnRef>
-          <a:fillRef idx="0">
-            <a:schemeClr val="accent1"/>
-          </a:fillRef>
-          <a:effectRef idx="0">
-            <a:schemeClr val="accent1"/>
-          </a:effectRef>
-          <a:fontRef idx="minor">
-            <a:schemeClr val="tx1"/>
-          </a:fontRef>
-        </p:style>
-      </p:cxnSp>
-      <p:cxnSp>
-        <p:nvCxnSpPr>
-          <p:cNvPr id="161" name="Straight Connector 160">
-            <a:extLst>
-              <a:ext uri="{FF2B5EF4-FFF2-40B4-BE49-F238E27FC236}">
-                <a16:creationId xmlns:a16="http://schemas.microsoft.com/office/drawing/2014/main" id="{1C98E2D7-C034-8C4F-8BBB-3DE17AED425E}"/>
-              </a:ext>
-            </a:extLst>
-          </p:cNvPr>
-          <p:cNvCxnSpPr>
-            <a:cxnSpLocks/>
-          </p:cNvCxnSpPr>
-          <p:nvPr/>
-        </p:nvCxnSpPr>
-        <p:spPr>
-          <a:xfrm>
-            <a:off x="5154836" y="4193188"/>
-            <a:ext cx="94551" cy="197222"/>
-          </a:xfrm>
-          <a:prstGeom prst="line">
-            <a:avLst/>
-          </a:prstGeom>
-          <a:ln w="76200">
-            <a:solidFill>
-              <a:srgbClr val="0070C0"/>
-            </a:solidFill>
-          </a:ln>
-        </p:spPr>
-        <p:style>
-          <a:lnRef idx="1">
-            <a:schemeClr val="accent1"/>
-          </a:lnRef>
-          <a:fillRef idx="0">
-            <a:schemeClr val="accent1"/>
-          </a:fillRef>
-          <a:effectRef idx="0">
-            <a:schemeClr val="accent1"/>
-          </a:effectRef>
-          <a:fontRef idx="minor">
-            <a:schemeClr val="tx1"/>
-          </a:fontRef>
-        </p:style>
-      </p:cxnSp>
-      <p:sp>
-        <p:nvSpPr>
-          <p:cNvPr id="162" name="Oval 161">
-            <a:extLst>
-              <a:ext uri="{FF2B5EF4-FFF2-40B4-BE49-F238E27FC236}">
-                <a16:creationId xmlns:a16="http://schemas.microsoft.com/office/drawing/2014/main" id="{1DFA112A-CAF8-3648-9CCE-B241090CA0C4}"/>
-              </a:ext>
-            </a:extLst>
-          </p:cNvPr>
-          <p:cNvSpPr/>
-          <p:nvPr/>
-        </p:nvSpPr>
-        <p:spPr>
-          <a:xfrm rot="20415852">
-            <a:off x="957470" y="2257753"/>
-            <a:ext cx="1429033" cy="494457"/>
-          </a:xfrm>
-          <a:prstGeom prst="ellipse">
-            <a:avLst/>
-          </a:prstGeom>
-          <a:solidFill>
-            <a:schemeClr val="bg2">
-              <a:lumMod val="90000"/>
-            </a:schemeClr>
-          </a:solidFill>
-          <a:ln w="76200">
-            <a:solidFill>
-              <a:srgbClr val="00B050"/>
-            </a:solidFill>
-          </a:ln>
-        </p:spPr>
-        <p:style>
-          <a:lnRef idx="2">
-            <a:schemeClr val="accent1">
-              <a:shade val="50000"/>
-            </a:schemeClr>
-          </a:lnRef>
-          <a:fillRef idx="1">
-            <a:schemeClr val="accent1"/>
-          </a:fillRef>
-          <a:effectRef idx="0">
-            <a:schemeClr val="accent1"/>
-          </a:effectRef>
-          <a:fontRef idx="minor">
-            <a:schemeClr val="lt1"/>
-          </a:fontRef>
-        </p:style>
-        <p:txBody>
-          <a:bodyPr rtlCol="0" anchor="ctr"/>
-          <a:lstStyle/>
-          <a:p>
-            <a:pPr algn="ctr"/>
-            <a:endParaRPr lang="en-US"/>
-          </a:p>
-        </p:txBody>
-      </p:sp>
-      <p:cxnSp>
-        <p:nvCxnSpPr>
-          <p:cNvPr id="163" name="Straight Connector 162">
-            <a:extLst>
-              <a:ext uri="{FF2B5EF4-FFF2-40B4-BE49-F238E27FC236}">
-                <a16:creationId xmlns:a16="http://schemas.microsoft.com/office/drawing/2014/main" id="{5BA21873-94F0-2C45-8B15-6BA9AA51E317}"/>
-              </a:ext>
-            </a:extLst>
-          </p:cNvPr>
-          <p:cNvCxnSpPr>
-            <a:cxnSpLocks/>
-          </p:cNvCxnSpPr>
-          <p:nvPr/>
-        </p:nvCxnSpPr>
-        <p:spPr>
-          <a:xfrm>
-            <a:off x="1712327" y="2267418"/>
-            <a:ext cx="94551" cy="197222"/>
-          </a:xfrm>
-          <a:prstGeom prst="line">
-            <a:avLst/>
-          </a:prstGeom>
-          <a:ln w="76200">
-            <a:solidFill>
-              <a:srgbClr val="00B050"/>
-            </a:solidFill>
-          </a:ln>
-        </p:spPr>
-        <p:style>
-          <a:lnRef idx="1">
-            <a:schemeClr val="accent1"/>
-          </a:lnRef>
-          <a:fillRef idx="0">
-            <a:schemeClr val="accent1"/>
-          </a:fillRef>
-          <a:effectRef idx="0">
-            <a:schemeClr val="accent1"/>
-          </a:effectRef>
-          <a:fontRef idx="minor">
-            <a:schemeClr val="tx1"/>
-          </a:fontRef>
-        </p:style>
-      </p:cxnSp>
-      <p:cxnSp>
-        <p:nvCxnSpPr>
-          <p:cNvPr id="164" name="Straight Connector 163">
-            <a:extLst>
-              <a:ext uri="{FF2B5EF4-FFF2-40B4-BE49-F238E27FC236}">
-                <a16:creationId xmlns:a16="http://schemas.microsoft.com/office/drawing/2014/main" id="{DCACAF6A-247F-A748-AFD2-990AE65EE141}"/>
-              </a:ext>
-            </a:extLst>
-          </p:cNvPr>
-          <p:cNvCxnSpPr>
-            <a:cxnSpLocks/>
-          </p:cNvCxnSpPr>
-          <p:nvPr/>
-        </p:nvCxnSpPr>
-        <p:spPr>
-          <a:xfrm>
-            <a:off x="1558007" y="2543402"/>
-            <a:ext cx="94551" cy="197222"/>
-          </a:xfrm>
-          <a:prstGeom prst="line">
-            <a:avLst/>
-          </a:prstGeom>
-          <a:ln w="76200">
-            <a:solidFill>
-              <a:srgbClr val="00B050"/>
-            </a:solidFill>
-          </a:ln>
-        </p:spPr>
-        <p:style>
-          <a:lnRef idx="1">
-            <a:schemeClr val="accent1"/>
-          </a:lnRef>
-          <a:fillRef idx="0">
-            <a:schemeClr val="accent1"/>
-          </a:fillRef>
-          <a:effectRef idx="0">
-            <a:schemeClr val="accent1"/>
-          </a:effectRef>
-          <a:fontRef idx="minor">
-            <a:schemeClr val="tx1"/>
-          </a:fontRef>
-        </p:style>
-      </p:cxnSp>
-      <p:cxnSp>
-        <p:nvCxnSpPr>
-          <p:cNvPr id="165" name="Straight Connector 164">
-            <a:extLst>
-              <a:ext uri="{FF2B5EF4-FFF2-40B4-BE49-F238E27FC236}">
-                <a16:creationId xmlns:a16="http://schemas.microsoft.com/office/drawing/2014/main" id="{9AF29B3D-F8A0-1248-866A-4A4C6258052E}"/>
-              </a:ext>
-            </a:extLst>
-          </p:cNvPr>
-          <p:cNvCxnSpPr>
-            <a:cxnSpLocks/>
-          </p:cNvCxnSpPr>
-          <p:nvPr/>
-        </p:nvCxnSpPr>
-        <p:spPr>
-          <a:xfrm>
-            <a:off x="2052985" y="2312242"/>
-            <a:ext cx="94551" cy="197222"/>
-          </a:xfrm>
-          <a:prstGeom prst="line">
-            <a:avLst/>
-          </a:prstGeom>
-          <a:ln w="76200">
-            <a:solidFill>
-              <a:srgbClr val="00B050"/>
-            </a:solidFill>
-          </a:ln>
-        </p:spPr>
-        <p:style>
-          <a:lnRef idx="1">
-            <a:schemeClr val="accent1"/>
-          </a:lnRef>
-          <a:fillRef idx="0">
-            <a:schemeClr val="accent1"/>
-          </a:fillRef>
-          <a:effectRef idx="0">
-            <a:schemeClr val="accent1"/>
-          </a:effectRef>
-          <a:fontRef idx="minor">
-            <a:schemeClr val="tx1"/>
-          </a:fontRef>
-        </p:style>
-      </p:cxnSp>
-      <p:cxnSp>
-        <p:nvCxnSpPr>
-          <p:cNvPr id="166" name="Straight Connector 165">
-            <a:extLst>
-              <a:ext uri="{FF2B5EF4-FFF2-40B4-BE49-F238E27FC236}">
-                <a16:creationId xmlns:a16="http://schemas.microsoft.com/office/drawing/2014/main" id="{C745F815-6F66-DA43-8A25-516E7BD9BF49}"/>
-              </a:ext>
-            </a:extLst>
-          </p:cNvPr>
-          <p:cNvCxnSpPr>
-            <a:cxnSpLocks/>
-          </p:cNvCxnSpPr>
-          <p:nvPr/>
-        </p:nvCxnSpPr>
-        <p:spPr>
-          <a:xfrm>
-            <a:off x="1192377" y="2473606"/>
-            <a:ext cx="94551" cy="197222"/>
-          </a:xfrm>
-          <a:prstGeom prst="line">
-            <a:avLst/>
-          </a:prstGeom>
-          <a:ln w="76200">
-            <a:solidFill>
-              <a:srgbClr val="00B050"/>
-            </a:solidFill>
-          </a:ln>
-        </p:spPr>
-        <p:style>
-          <a:lnRef idx="1">
-            <a:schemeClr val="accent1"/>
-          </a:lnRef>
-          <a:fillRef idx="0">
-            <a:schemeClr val="accent1"/>
-          </a:fillRef>
-          <a:effectRef idx="0">
-            <a:schemeClr val="accent1"/>
-          </a:effectRef>
-          <a:fontRef idx="minor">
-            <a:schemeClr val="tx1"/>
-          </a:fontRef>
-        </p:style>
-      </p:cxnSp>
-      <p:sp>
-        <p:nvSpPr>
-          <p:cNvPr id="167" name="Oval 166">
-            <a:extLst>
-              <a:ext uri="{FF2B5EF4-FFF2-40B4-BE49-F238E27FC236}">
-                <a16:creationId xmlns:a16="http://schemas.microsoft.com/office/drawing/2014/main" id="{D57F4C23-7830-8446-8286-1095FC877F6B}"/>
-              </a:ext>
-            </a:extLst>
-          </p:cNvPr>
-          <p:cNvSpPr/>
-          <p:nvPr/>
-        </p:nvSpPr>
-        <p:spPr>
-          <a:xfrm rot="20415852">
-            <a:off x="971204" y="5423607"/>
-            <a:ext cx="1429033" cy="494457"/>
-          </a:xfrm>
-          <a:prstGeom prst="ellipse">
-            <a:avLst/>
-          </a:prstGeom>
-          <a:solidFill>
-            <a:schemeClr val="bg2">
-              <a:lumMod val="90000"/>
-            </a:schemeClr>
-          </a:solidFill>
-          <a:ln w="76200">
-            <a:solidFill>
-              <a:srgbClr val="0070C0"/>
-            </a:solidFill>
-          </a:ln>
-        </p:spPr>
-        <p:style>
-          <a:lnRef idx="2">
-            <a:schemeClr val="accent1">
-              <a:shade val="50000"/>
-            </a:schemeClr>
-          </a:lnRef>
-          <a:fillRef idx="1">
-            <a:schemeClr val="accent1"/>
-          </a:fillRef>
-          <a:effectRef idx="0">
-            <a:schemeClr val="accent1"/>
-          </a:effectRef>
-          <a:fontRef idx="minor">
-            <a:schemeClr val="lt1"/>
-          </a:fontRef>
-        </p:style>
-        <p:txBody>
-          <a:bodyPr rtlCol="0" anchor="ctr"/>
-          <a:lstStyle/>
-          <a:p>
-            <a:pPr algn="ctr"/>
-            <a:endParaRPr lang="en-US">
-              <a:solidFill>
-                <a:srgbClr val="FF9300"/>
-              </a:solidFill>
-            </a:endParaRPr>
-          </a:p>
-        </p:txBody>
-      </p:sp>
-      <p:cxnSp>
-        <p:nvCxnSpPr>
-          <p:cNvPr id="168" name="Straight Connector 167">
-            <a:extLst>
-              <a:ext uri="{FF2B5EF4-FFF2-40B4-BE49-F238E27FC236}">
-                <a16:creationId xmlns:a16="http://schemas.microsoft.com/office/drawing/2014/main" id="{C89F0CE1-00B7-2C47-90E5-1F458EB544EC}"/>
-              </a:ext>
-            </a:extLst>
-          </p:cNvPr>
-          <p:cNvCxnSpPr>
-            <a:cxnSpLocks/>
-          </p:cNvCxnSpPr>
-          <p:nvPr/>
-        </p:nvCxnSpPr>
-        <p:spPr>
-          <a:xfrm>
-            <a:off x="1726061" y="5433272"/>
-            <a:ext cx="94551" cy="197222"/>
-          </a:xfrm>
-          <a:prstGeom prst="line">
-            <a:avLst/>
-          </a:prstGeom>
-          <a:ln w="76200">
-            <a:solidFill>
-              <a:srgbClr val="0070C0"/>
-            </a:solidFill>
-          </a:ln>
-        </p:spPr>
-        <p:style>
-          <a:lnRef idx="1">
-            <a:schemeClr val="accent1"/>
-          </a:lnRef>
-          <a:fillRef idx="0">
-            <a:schemeClr val="accent1"/>
-          </a:fillRef>
-          <a:effectRef idx="0">
-            <a:schemeClr val="accent1"/>
-          </a:effectRef>
-          <a:fontRef idx="minor">
-            <a:schemeClr val="tx1"/>
-          </a:fontRef>
-        </p:style>
-      </p:cxnSp>
-      <p:cxnSp>
-        <p:nvCxnSpPr>
-          <p:cNvPr id="169" name="Straight Connector 168">
-            <a:extLst>
-              <a:ext uri="{FF2B5EF4-FFF2-40B4-BE49-F238E27FC236}">
-                <a16:creationId xmlns:a16="http://schemas.microsoft.com/office/drawing/2014/main" id="{4879465A-6309-8045-9CBB-B9CAEC686177}"/>
-              </a:ext>
-            </a:extLst>
-          </p:cNvPr>
-          <p:cNvCxnSpPr>
-            <a:cxnSpLocks/>
-          </p:cNvCxnSpPr>
-          <p:nvPr/>
-        </p:nvCxnSpPr>
-        <p:spPr>
-          <a:xfrm>
-            <a:off x="1571741" y="5709256"/>
-            <a:ext cx="94551" cy="197222"/>
-          </a:xfrm>
-          <a:prstGeom prst="line">
-            <a:avLst/>
-          </a:prstGeom>
-          <a:ln w="76200">
-            <a:solidFill>
-              <a:srgbClr val="0070C0"/>
-            </a:solidFill>
-          </a:ln>
-        </p:spPr>
-        <p:style>
-          <a:lnRef idx="1">
-            <a:schemeClr val="accent1"/>
-          </a:lnRef>
-          <a:fillRef idx="0">
-            <a:schemeClr val="accent1"/>
-          </a:fillRef>
-          <a:effectRef idx="0">
-            <a:schemeClr val="accent1"/>
-          </a:effectRef>
-          <a:fontRef idx="minor">
-            <a:schemeClr val="tx1"/>
-          </a:fontRef>
-        </p:style>
-      </p:cxnSp>
-      <p:cxnSp>
-        <p:nvCxnSpPr>
-          <p:cNvPr id="170" name="Straight Connector 169">
-            <a:extLst>
-              <a:ext uri="{FF2B5EF4-FFF2-40B4-BE49-F238E27FC236}">
-                <a16:creationId xmlns:a16="http://schemas.microsoft.com/office/drawing/2014/main" id="{03C19BBD-006C-924E-B5CD-12F755ED3B3A}"/>
-              </a:ext>
-            </a:extLst>
-          </p:cNvPr>
-          <p:cNvCxnSpPr>
-            <a:cxnSpLocks/>
-          </p:cNvCxnSpPr>
-          <p:nvPr/>
-        </p:nvCxnSpPr>
-        <p:spPr>
-          <a:xfrm>
-            <a:off x="2066719" y="5478096"/>
-            <a:ext cx="94551" cy="197222"/>
-          </a:xfrm>
-          <a:prstGeom prst="line">
-            <a:avLst/>
-          </a:prstGeom>
-          <a:ln w="76200">
-            <a:solidFill>
-              <a:srgbClr val="0070C0"/>
-            </a:solidFill>
-          </a:ln>
-        </p:spPr>
-        <p:style>
-          <a:lnRef idx="1">
-            <a:schemeClr val="accent1"/>
-          </a:lnRef>
-          <a:fillRef idx="0">
-            <a:schemeClr val="accent1"/>
-          </a:fillRef>
-          <a:effectRef idx="0">
-            <a:schemeClr val="accent1"/>
-          </a:effectRef>
-          <a:fontRef idx="minor">
-            <a:schemeClr val="tx1"/>
-          </a:fontRef>
-        </p:style>
-      </p:cxnSp>
-      <p:cxnSp>
-        <p:nvCxnSpPr>
-          <p:cNvPr id="171" name="Straight Connector 170">
-            <a:extLst>
-              <a:ext uri="{FF2B5EF4-FFF2-40B4-BE49-F238E27FC236}">
-                <a16:creationId xmlns:a16="http://schemas.microsoft.com/office/drawing/2014/main" id="{8731A918-EDAB-F944-AF49-A969BB481753}"/>
-              </a:ext>
-            </a:extLst>
-          </p:cNvPr>
-          <p:cNvCxnSpPr>
-            <a:cxnSpLocks/>
-          </p:cNvCxnSpPr>
-          <p:nvPr/>
-        </p:nvCxnSpPr>
-        <p:spPr>
-          <a:xfrm>
-            <a:off x="1206111" y="5639460"/>
-            <a:ext cx="94551" cy="197222"/>
-          </a:xfrm>
-          <a:prstGeom prst="line">
-            <a:avLst/>
-          </a:prstGeom>
-          <a:ln w="76200">
-            <a:solidFill>
-              <a:srgbClr val="0070C0"/>
             </a:solidFill>
           </a:ln>
         </p:spPr>
@@ -5180,8 +3568,8 @@
         </p:nvSpPr>
         <p:spPr>
           <a:xfrm>
-            <a:off x="3575404" y="2126981"/>
-            <a:ext cx="756000" cy="756000"/>
+            <a:off x="3170364" y="2313509"/>
+            <a:ext cx="579167" cy="576000"/>
           </a:xfrm>
           <a:prstGeom prst="ellipse">
             <a:avLst/>
@@ -5234,8 +3622,8 @@
         </p:nvCxnSpPr>
         <p:spPr>
           <a:xfrm flipV="1">
-            <a:off x="3433204" y="1985110"/>
-            <a:ext cx="1040400" cy="1039742"/>
+            <a:off x="3165659" y="2350267"/>
+            <a:ext cx="626400" cy="530938"/>
           </a:xfrm>
           <a:prstGeom prst="line">
             <a:avLst/>
@@ -5275,8 +3663,8 @@
         </p:nvSpPr>
         <p:spPr>
           <a:xfrm>
-            <a:off x="3621022" y="5246817"/>
-            <a:ext cx="756000" cy="756000"/>
+            <a:off x="3135613" y="5471022"/>
+            <a:ext cx="576000" cy="576000"/>
           </a:xfrm>
           <a:prstGeom prst="ellipse">
             <a:avLst/>
@@ -5315,10 +3703,10 @@
       </p:sp>
       <p:cxnSp>
         <p:nvCxnSpPr>
-          <p:cNvPr id="182" name="Straight Connector 181">
-            <a:extLst>
-              <a:ext uri="{FF2B5EF4-FFF2-40B4-BE49-F238E27FC236}">
-                <a16:creationId xmlns:a16="http://schemas.microsoft.com/office/drawing/2014/main" id="{204392C7-9F15-D242-BC26-F50A23D2DF75}"/>
+          <p:cNvPr id="187" name="Straight Arrow Connector 186">
+            <a:extLst>
+              <a:ext uri="{FF2B5EF4-FFF2-40B4-BE49-F238E27FC236}">
+                <a16:creationId xmlns:a16="http://schemas.microsoft.com/office/drawing/2014/main" id="{EB489865-B200-9B4E-BE93-E26FC8AAC959}"/>
               </a:ext>
             </a:extLst>
           </p:cNvPr>
@@ -5328,51 +3716,8 @@
           <p:nvPr/>
         </p:nvCxnSpPr>
         <p:spPr>
-          <a:xfrm flipV="1">
-            <a:off x="3478822" y="5104946"/>
-            <a:ext cx="1040400" cy="1039742"/>
-          </a:xfrm>
-          <a:prstGeom prst="line">
-            <a:avLst/>
-          </a:prstGeom>
-          <a:ln w="57150">
-            <a:solidFill>
-              <a:schemeClr val="tx1"/>
-            </a:solidFill>
-          </a:ln>
-        </p:spPr>
-        <p:style>
-          <a:lnRef idx="1">
-            <a:schemeClr val="accent1"/>
-          </a:lnRef>
-          <a:fillRef idx="0">
-            <a:schemeClr val="accent1"/>
-          </a:fillRef>
-          <a:effectRef idx="0">
-            <a:schemeClr val="accent1"/>
-          </a:effectRef>
-          <a:fontRef idx="minor">
-            <a:schemeClr val="tx1"/>
-          </a:fontRef>
-        </p:style>
-      </p:cxnSp>
-      <p:cxnSp>
-        <p:nvCxnSpPr>
-          <p:cNvPr id="187" name="Straight Arrow Connector 186">
-            <a:extLst>
-              <a:ext uri="{FF2B5EF4-FFF2-40B4-BE49-F238E27FC236}">
-                <a16:creationId xmlns:a16="http://schemas.microsoft.com/office/drawing/2014/main" id="{EB489865-B200-9B4E-BE93-E26FC8AAC959}"/>
-              </a:ext>
-            </a:extLst>
-          </p:cNvPr>
-          <p:cNvCxnSpPr>
-            <a:cxnSpLocks/>
-          </p:cNvCxnSpPr>
-          <p:nvPr/>
-        </p:nvCxnSpPr>
-        <p:spPr>
           <a:xfrm>
-            <a:off x="2422637" y="1091042"/>
+            <a:off x="1879314" y="1185381"/>
             <a:ext cx="978090" cy="11047"/>
           </a:xfrm>
           <a:prstGeom prst="straightConnector1">
@@ -5414,7 +3759,7 @@
         </p:nvSpPr>
         <p:spPr>
           <a:xfrm>
-            <a:off x="109878" y="88976"/>
+            <a:off x="30366" y="22716"/>
             <a:ext cx="1157112" cy="707886"/>
           </a:xfrm>
           <a:prstGeom prst="rect">
@@ -5456,7 +3801,7 @@
         </p:nvSpPr>
         <p:spPr>
           <a:xfrm>
-            <a:off x="109878" y="3157958"/>
+            <a:off x="3862" y="3157958"/>
             <a:ext cx="958917" cy="707886"/>
           </a:xfrm>
           <a:prstGeom prst="rect">
@@ -5484,8 +3829,8 @@
           </a:p>
         </p:txBody>
       </p:sp>
-      <mc:AlternateContent xmlns:mc="http://schemas.openxmlformats.org/markup-compatibility/2006" xmlns:a14="http://schemas.microsoft.com/office/drawing/2010/main">
-        <mc:Choice Requires="a14">
+      <mc:AlternateContent xmlns:mc="http://schemas.openxmlformats.org/markup-compatibility/2006">
+        <mc:Choice xmlns:a14="http://schemas.microsoft.com/office/drawing/2010/main" Requires="a14">
           <p:sp>
             <p:nvSpPr>
               <p:cNvPr id="192" name="TextBox 191">
@@ -5500,7 +3845,7 @@
             </p:nvSpPr>
             <p:spPr>
               <a:xfrm>
-                <a:off x="2566282" y="1880283"/>
+                <a:off x="2092580" y="1899204"/>
                 <a:ext cx="582211" cy="646331"/>
               </a:xfrm>
               <a:prstGeom prst="rect">
@@ -5536,7 +3881,7 @@
             </p:txBody>
           </p:sp>
         </mc:Choice>
-        <mc:Fallback xmlns="">
+        <mc:Fallback>
           <p:sp>
             <p:nvSpPr>
               <p:cNvPr id="192" name="TextBox 191">
@@ -5553,7 +3898,7 @@
             </p:nvSpPr>
             <p:spPr>
               <a:xfrm>
-                <a:off x="2566282" y="1880283"/>
+                <a:off x="2092580" y="1899204"/>
                 <a:ext cx="582211" cy="646331"/>
               </a:xfrm>
               <a:prstGeom prst="rect">
@@ -5562,7 +3907,7 @@
               <a:blipFill>
                 <a:blip r:embed="rId2"/>
                 <a:stretch>
-                  <a:fillRect b="-9615"/>
+                  <a:fillRect b="-11765"/>
                 </a:stretch>
               </a:blipFill>
             </p:spPr>
@@ -5597,7 +3942,7 @@
             </p:nvSpPr>
             <p:spPr>
               <a:xfrm>
-                <a:off x="2382982" y="4954190"/>
+                <a:off x="1878193" y="5002636"/>
                 <a:ext cx="980589" cy="728533"/>
               </a:xfrm>
               <a:prstGeom prst="rect">
@@ -5672,7 +4017,7 @@
             </p:nvSpPr>
             <p:spPr>
               <a:xfrm>
-                <a:off x="2382982" y="4954190"/>
+                <a:off x="1878193" y="5002636"/>
                 <a:ext cx="980589" cy="728533"/>
               </a:xfrm>
               <a:prstGeom prst="rect">
@@ -5681,7 +4026,7 @@
               <a:blipFill>
                 <a:blip r:embed="rId3"/>
                 <a:stretch>
-                  <a:fillRect l="-66667" t="-158621" r="-44872" b="-237931"/>
+                  <a:fillRect l="-65385" t="-158621" r="-44872" b="-236207"/>
                 </a:stretch>
               </a:blipFill>
             </p:spPr>
@@ -5700,8 +4045,8 @@
           </p:sp>
         </mc:Fallback>
       </mc:AlternateContent>
-      <mc:AlternateContent xmlns:mc="http://schemas.openxmlformats.org/markup-compatibility/2006" xmlns:a14="http://schemas.microsoft.com/office/drawing/2010/main">
-        <mc:Choice Requires="a14">
+      <mc:AlternateContent xmlns:mc="http://schemas.openxmlformats.org/markup-compatibility/2006">
+        <mc:Choice xmlns:a14="http://schemas.microsoft.com/office/drawing/2010/main" Requires="a14">
           <p:sp>
             <p:nvSpPr>
               <p:cNvPr id="194" name="TextBox 193">
@@ -5716,7 +4061,7 @@
             </p:nvSpPr>
             <p:spPr>
               <a:xfrm>
-                <a:off x="2576000" y="424671"/>
+                <a:off x="2038404" y="517212"/>
                 <a:ext cx="678391" cy="646331"/>
               </a:xfrm>
               <a:prstGeom prst="rect">
@@ -5759,7 +4104,7 @@
             </p:txBody>
           </p:sp>
         </mc:Choice>
-        <mc:Fallback xmlns="">
+        <mc:Fallback>
           <p:sp>
             <p:nvSpPr>
               <p:cNvPr id="194" name="TextBox 193">
@@ -5776,7 +4121,7 @@
             </p:nvSpPr>
             <p:spPr>
               <a:xfrm>
-                <a:off x="2576000" y="424671"/>
+                <a:off x="2038404" y="517212"/>
                 <a:ext cx="678391" cy="646331"/>
               </a:xfrm>
               <a:prstGeom prst="rect">
@@ -5820,7 +4165,7 @@
         </p:nvCxnSpPr>
         <p:spPr>
           <a:xfrm>
-            <a:off x="2340437" y="4317283"/>
+            <a:off x="1956127" y="4317283"/>
             <a:ext cx="978090" cy="11047"/>
           </a:xfrm>
           <a:prstGeom prst="straightConnector1">
@@ -5864,7 +4209,7 @@
         </p:nvCxnSpPr>
         <p:spPr>
           <a:xfrm>
-            <a:off x="2374204" y="5753528"/>
+            <a:off x="1950921" y="5777031"/>
             <a:ext cx="978090" cy="11047"/>
           </a:xfrm>
           <a:prstGeom prst="straightConnector1">
@@ -5908,7 +4253,7 @@
         </p:nvCxnSpPr>
         <p:spPr>
           <a:xfrm>
-            <a:off x="2384014" y="2566693"/>
+            <a:off x="1885401" y="2580938"/>
             <a:ext cx="978090" cy="11047"/>
           </a:xfrm>
           <a:prstGeom prst="straightConnector1">
@@ -5952,7 +4297,7 @@
             </p:nvSpPr>
             <p:spPr>
               <a:xfrm>
-                <a:off x="2509350" y="3620337"/>
+                <a:off x="2031059" y="3609397"/>
                 <a:ext cx="665567" cy="707886"/>
               </a:xfrm>
               <a:prstGeom prst="rect">
@@ -6003,7 +4348,7 @@
             </p:nvSpPr>
             <p:spPr>
               <a:xfrm>
-                <a:off x="2509350" y="3620337"/>
+                <a:off x="2031059" y="3609397"/>
                 <a:ext cx="665567" cy="707886"/>
               </a:xfrm>
               <a:prstGeom prst="rect">
@@ -6012,7 +4357,7 @@
               <a:blipFill>
                 <a:blip r:embed="rId5"/>
                 <a:stretch>
-                  <a:fillRect l="-13208" r="-15094" b="-31579"/>
+                  <a:fillRect l="-11321" r="-15094" b="-31579"/>
                 </a:stretch>
               </a:blipFill>
             </p:spPr>
@@ -6031,8 +4376,8 @@
           </p:sp>
         </mc:Fallback>
       </mc:AlternateContent>
-      <mc:AlternateContent xmlns:mc="http://schemas.openxmlformats.org/markup-compatibility/2006" xmlns:a14="http://schemas.microsoft.com/office/drawing/2010/main">
-        <mc:Choice Requires="a14">
+      <mc:AlternateContent xmlns:mc="http://schemas.openxmlformats.org/markup-compatibility/2006">
+        <mc:Choice xmlns:a14="http://schemas.microsoft.com/office/drawing/2010/main" Requires="a14">
           <p:sp>
             <p:nvSpPr>
               <p:cNvPr id="201" name="TextBox 200">
@@ -6047,7 +4392,7 @@
             </p:nvSpPr>
             <p:spPr>
               <a:xfrm>
-                <a:off x="6911252" y="700593"/>
+                <a:off x="6513634" y="885494"/>
                 <a:ext cx="4946098" cy="492443"/>
               </a:xfrm>
               <a:prstGeom prst="rect">
@@ -6174,7 +4519,7 @@
             </p:txBody>
           </p:sp>
         </mc:Choice>
-        <mc:Fallback xmlns="">
+        <mc:Fallback>
           <p:sp>
             <p:nvSpPr>
               <p:cNvPr id="201" name="TextBox 200">
@@ -6191,7 +4536,7 @@
             </p:nvSpPr>
             <p:spPr>
               <a:xfrm>
-                <a:off x="6911252" y="700593"/>
+                <a:off x="6513634" y="885494"/>
                 <a:ext cx="4946098" cy="492443"/>
               </a:xfrm>
               <a:prstGeom prst="rect">
@@ -6200,7 +4545,7 @@
               <a:blipFill>
                 <a:blip r:embed="rId6"/>
                 <a:stretch>
-                  <a:fillRect l="-1279" t="-7500" r="-2302" b="-35000"/>
+                  <a:fillRect l="-2564" t="-7692" r="-3846" b="-35897"/>
                 </a:stretch>
               </a:blipFill>
             </p:spPr>
@@ -6337,8 +4682,8 @@
             </p:nvSpPr>
             <p:spPr>
               <a:xfrm>
-                <a:off x="6911252" y="3565134"/>
-                <a:ext cx="4055982" cy="1043042"/>
+                <a:off x="5778694" y="3631742"/>
+                <a:ext cx="6402056" cy="1043042"/>
               </a:xfrm>
               <a:prstGeom prst="rect">
                 <a:avLst/>
@@ -6346,7 +4691,7 @@
               <a:noFill/>
             </p:spPr>
             <p:txBody>
-              <a:bodyPr wrap="none" lIns="0" tIns="0" rIns="0" bIns="0" rtlCol="0">
+              <a:bodyPr wrap="square" lIns="0" tIns="0" rIns="0" bIns="0" rtlCol="0">
                 <a:spAutoFit/>
               </a:bodyPr>
               <a:lstStyle/>
@@ -6434,6 +4779,27 @@
                                 </a:rPr>
                                 <m:t>𝒘</m:t>
                               </m:r>
+                              <m:r>
+                                <a:rPr lang="en-GB" sz="3200" b="1" i="1" smtClean="0">
+                                  <a:latin typeface="Cambria Math" panose="02040503050406030204" pitchFamily="18" charset="0"/>
+                                  <a:ea typeface="Cambria Math" panose="02040503050406030204" pitchFamily="18" charset="0"/>
+                                </a:rPr>
+                                <m:t>−</m:t>
+                              </m:r>
+                              <m:r>
+                                <a:rPr lang="en-GB" sz="3200" b="1" i="1" smtClean="0">
+                                  <a:latin typeface="Cambria Math" panose="02040503050406030204" pitchFamily="18" charset="0"/>
+                                  <a:ea typeface="Cambria Math" panose="02040503050406030204" pitchFamily="18" charset="0"/>
+                                </a:rPr>
+                                <m:t>𝜸</m:t>
+                              </m:r>
+                              <m:r>
+                                <a:rPr lang="en-GB" sz="3200" b="1" i="1" smtClean="0">
+                                  <a:latin typeface="Cambria Math" panose="02040503050406030204" pitchFamily="18" charset="0"/>
+                                  <a:ea typeface="Cambria Math" panose="02040503050406030204" pitchFamily="18" charset="0"/>
+                                </a:rPr>
+                                <m:t>𝒎</m:t>
+                              </m:r>
                             </m:e>
                           </m:d>
                           <m:r>
@@ -6449,6 +4815,27 @@
                               <a:ea typeface="Cambria Math" panose="02040503050406030204" pitchFamily="18" charset="0"/>
                             </a:rPr>
                             <m:t>𝒘</m:t>
+                          </m:r>
+                          <m:r>
+                            <a:rPr lang="en-GB" sz="3200" b="1" i="1" smtClean="0">
+                              <a:latin typeface="Cambria Math" panose="02040503050406030204" pitchFamily="18" charset="0"/>
+                              <a:ea typeface="Cambria Math" panose="02040503050406030204" pitchFamily="18" charset="0"/>
+                            </a:rPr>
+                            <m:t>+</m:t>
+                          </m:r>
+                          <m:r>
+                            <a:rPr lang="en-GB" sz="3200" b="1" i="1" smtClean="0">
+                              <a:latin typeface="Cambria Math" panose="02040503050406030204" pitchFamily="18" charset="0"/>
+                              <a:ea typeface="Cambria Math" panose="02040503050406030204" pitchFamily="18" charset="0"/>
+                            </a:rPr>
+                            <m:t>𝜸</m:t>
+                          </m:r>
+                          <m:r>
+                            <a:rPr lang="en-GB" sz="3200" b="1" i="1" smtClean="0">
+                              <a:latin typeface="Cambria Math" panose="02040503050406030204" pitchFamily="18" charset="0"/>
+                              <a:ea typeface="Cambria Math" panose="02040503050406030204" pitchFamily="18" charset="0"/>
+                            </a:rPr>
+                            <m:t>𝒎</m:t>
                           </m:r>
                         </m:num>
                         <m:den>
@@ -6521,8 +4908,8 @@
             </p:nvSpPr>
             <p:spPr>
               <a:xfrm>
-                <a:off x="6911252" y="3565134"/>
-                <a:ext cx="4055982" cy="1043042"/>
+                <a:off x="5778694" y="3631742"/>
+                <a:ext cx="6402056" cy="1043042"/>
               </a:xfrm>
               <a:prstGeom prst="rect">
                 <a:avLst/>
@@ -6530,7 +4917,7 @@
               <a:blipFill>
                 <a:blip r:embed="rId8"/>
                 <a:stretch>
-                  <a:fillRect l="-1558" r="-312" b="-16867"/>
+                  <a:fillRect b="-16867"/>
                 </a:stretch>
               </a:blipFill>
             </p:spPr>
@@ -6565,7 +4952,7 @@
             </p:nvSpPr>
             <p:spPr>
               <a:xfrm>
-                <a:off x="246134" y="918658"/>
+                <a:off x="35401" y="828558"/>
                 <a:ext cx="468077" cy="369332"/>
               </a:xfrm>
               <a:prstGeom prst="rect">
@@ -6579,6 +4966,7 @@
               </a:bodyPr>
               <a:lstStyle/>
               <a:p>
+                <a:pPr/>
                 <a14:m>
                   <m:oMathPara xmlns:m="http://schemas.openxmlformats.org/officeDocument/2006/math">
                     <m:oMathParaPr>
@@ -6628,7 +5016,7 @@
             </p:nvSpPr>
             <p:spPr>
               <a:xfrm>
-                <a:off x="246134" y="918658"/>
+                <a:off x="35401" y="828558"/>
                 <a:ext cx="468077" cy="369332"/>
               </a:xfrm>
               <a:prstGeom prst="rect">
@@ -6637,7 +5025,7 @@
               <a:blipFill>
                 <a:blip r:embed="rId9"/>
                 <a:stretch>
-                  <a:fillRect l="-18421" r="-21053" b="-34483"/>
+                  <a:fillRect l="-18421" r="-21053" b="-33333"/>
                 </a:stretch>
               </a:blipFill>
             </p:spPr>
@@ -6672,7 +5060,7 @@
             </p:nvSpPr>
             <p:spPr>
               <a:xfrm>
-                <a:off x="246134" y="2382027"/>
+                <a:off x="36341" y="2289637"/>
                 <a:ext cx="468077" cy="369332"/>
               </a:xfrm>
               <a:prstGeom prst="rect">
@@ -6686,6 +5074,7 @@
               </a:bodyPr>
               <a:lstStyle/>
               <a:p>
+                <a:pPr/>
                 <a14:m>
                   <m:oMathPara xmlns:m="http://schemas.openxmlformats.org/officeDocument/2006/math">
                     <m:oMathParaPr>
@@ -6735,7 +5124,7 @@
             </p:nvSpPr>
             <p:spPr>
               <a:xfrm>
-                <a:off x="246134" y="2382027"/>
+                <a:off x="36341" y="2289637"/>
                 <a:ext cx="468077" cy="369332"/>
               </a:xfrm>
               <a:prstGeom prst="rect">
@@ -6744,7 +5133,7 @@
               <a:blipFill>
                 <a:blip r:embed="rId10"/>
                 <a:stretch>
-                  <a:fillRect l="-18421" r="-21053" b="-33333"/>
+                  <a:fillRect l="-18421" r="-21053" b="-34483"/>
                 </a:stretch>
               </a:blipFill>
             </p:spPr>
@@ -6779,7 +5168,7 @@
             </p:nvSpPr>
             <p:spPr>
               <a:xfrm>
-                <a:off x="248374" y="4114369"/>
+                <a:off x="36342" y="3968597"/>
                 <a:ext cx="468077" cy="369332"/>
               </a:xfrm>
               <a:prstGeom prst="rect">
@@ -6793,6 +5182,7 @@
               </a:bodyPr>
               <a:lstStyle/>
               <a:p>
+                <a:pPr/>
                 <a14:m>
                   <m:oMathPara xmlns:m="http://schemas.openxmlformats.org/officeDocument/2006/math">
                     <m:oMathParaPr>
@@ -6842,7 +5232,7 @@
             </p:nvSpPr>
             <p:spPr>
               <a:xfrm>
-                <a:off x="248374" y="4114369"/>
+                <a:off x="36342" y="3968597"/>
                 <a:ext cx="468077" cy="369332"/>
               </a:xfrm>
               <a:prstGeom prst="rect">
@@ -6851,7 +5241,7 @@
               <a:blipFill>
                 <a:blip r:embed="rId11"/>
                 <a:stretch>
-                  <a:fillRect l="-21622" r="-21622" b="-34483"/>
+                  <a:fillRect l="-18421" r="-21053" b="-30000"/>
                 </a:stretch>
               </a:blipFill>
             </p:spPr>
@@ -6886,7 +5276,7 @@
             </p:nvSpPr>
             <p:spPr>
               <a:xfrm>
-                <a:off x="253347" y="5568862"/>
+                <a:off x="35400" y="5454794"/>
                 <a:ext cx="468077" cy="369332"/>
               </a:xfrm>
               <a:prstGeom prst="rect">
@@ -6900,6 +5290,7 @@
               </a:bodyPr>
               <a:lstStyle/>
               <a:p>
+                <a:pPr/>
                 <a14:m>
                   <m:oMathPara xmlns:m="http://schemas.openxmlformats.org/officeDocument/2006/math">
                     <m:oMathParaPr>
@@ -6949,7 +5340,7 @@
             </p:nvSpPr>
             <p:spPr>
               <a:xfrm>
-                <a:off x="253347" y="5568862"/>
+                <a:off x="35400" y="5454794"/>
                 <a:ext cx="468077" cy="369332"/>
               </a:xfrm>
               <a:prstGeom prst="rect">
@@ -6958,7 +5349,7 @@
               <a:blipFill>
                 <a:blip r:embed="rId12"/>
                 <a:stretch>
-                  <a:fillRect l="-21053" r="-21053" b="-29032"/>
+                  <a:fillRect l="-18421" r="-21053" b="-30000"/>
                 </a:stretch>
               </a:blipFill>
             </p:spPr>
@@ -7300,8 +5691,8 @@
           </a:fontRef>
         </p:style>
       </p:cxnSp>
-      <mc:AlternateContent xmlns:mc="http://schemas.openxmlformats.org/markup-compatibility/2006">
-        <mc:Choice xmlns:a14="http://schemas.microsoft.com/office/drawing/2010/main" Requires="a14">
+      <mc:AlternateContent xmlns:mc="http://schemas.openxmlformats.org/markup-compatibility/2006" xmlns:a14="http://schemas.microsoft.com/office/drawing/2010/main">
+        <mc:Choice Requires="a14">
           <p:sp>
             <p:nvSpPr>
               <p:cNvPr id="9" name="TextBox 8">
@@ -7330,6 +5721,7 @@
               </a:bodyPr>
               <a:lstStyle/>
               <a:p>
+                <a:pPr/>
                 <a14:m>
                   <m:oMathPara xmlns:m="http://schemas.openxmlformats.org/officeDocument/2006/math">
                     <m:oMathParaPr>
@@ -7356,7 +5748,7 @@
             </p:txBody>
           </p:sp>
         </mc:Choice>
-        <mc:Fallback>
+        <mc:Fallback xmlns="">
           <p:sp>
             <p:nvSpPr>
               <p:cNvPr id="9" name="TextBox 8">
@@ -7401,8 +5793,8 @@
           </p:sp>
         </mc:Fallback>
       </mc:AlternateContent>
-      <mc:AlternateContent xmlns:mc="http://schemas.openxmlformats.org/markup-compatibility/2006">
-        <mc:Choice xmlns:a14="http://schemas.microsoft.com/office/drawing/2010/main" Requires="a14">
+      <mc:AlternateContent xmlns:mc="http://schemas.openxmlformats.org/markup-compatibility/2006" xmlns:a14="http://schemas.microsoft.com/office/drawing/2010/main">
+        <mc:Choice Requires="a14">
           <p:sp>
             <p:nvSpPr>
               <p:cNvPr id="78" name="TextBox 77">
@@ -7431,6 +5823,7 @@
               </a:bodyPr>
               <a:lstStyle/>
               <a:p>
+                <a:pPr/>
                 <a14:m>
                   <m:oMathPara xmlns:m="http://schemas.openxmlformats.org/officeDocument/2006/math">
                     <m:oMathParaPr>
@@ -7457,7 +5850,7 @@
             </p:txBody>
           </p:sp>
         </mc:Choice>
-        <mc:Fallback>
+        <mc:Fallback xmlns="">
           <p:sp>
             <p:nvSpPr>
               <p:cNvPr id="78" name="TextBox 77">
@@ -7554,6 +5947,1645 @@
           </a:p>
         </p:txBody>
       </p:sp>
+      <p:sp>
+        <p:nvSpPr>
+          <p:cNvPr id="73" name="Oval 72">
+            <a:extLst>
+              <a:ext uri="{FF2B5EF4-FFF2-40B4-BE49-F238E27FC236}">
+                <a16:creationId xmlns:a16="http://schemas.microsoft.com/office/drawing/2014/main" id="{8040C7BA-8ADF-1E4D-BD39-EC7C6CCDD12E}"/>
+              </a:ext>
+            </a:extLst>
+          </p:cNvPr>
+          <p:cNvSpPr/>
+          <p:nvPr/>
+        </p:nvSpPr>
+        <p:spPr>
+          <a:xfrm rot="20415852">
+            <a:off x="2999757" y="963282"/>
+            <a:ext cx="1258428" cy="444197"/>
+          </a:xfrm>
+          <a:prstGeom prst="ellipse">
+            <a:avLst/>
+          </a:prstGeom>
+          <a:solidFill>
+            <a:schemeClr val="bg2">
+              <a:lumMod val="90000"/>
+            </a:schemeClr>
+          </a:solidFill>
+          <a:ln w="76200">
+            <a:solidFill>
+              <a:srgbClr val="00B050"/>
+            </a:solidFill>
+          </a:ln>
+        </p:spPr>
+        <p:style>
+          <a:lnRef idx="2">
+            <a:schemeClr val="accent1">
+              <a:shade val="50000"/>
+            </a:schemeClr>
+          </a:lnRef>
+          <a:fillRef idx="1">
+            <a:schemeClr val="accent1"/>
+          </a:fillRef>
+          <a:effectRef idx="0">
+            <a:schemeClr val="accent1"/>
+          </a:effectRef>
+          <a:fontRef idx="minor">
+            <a:schemeClr val="lt1"/>
+          </a:fontRef>
+        </p:style>
+        <p:txBody>
+          <a:bodyPr rtlCol="0" anchor="ctr"/>
+          <a:lstStyle/>
+          <a:p>
+            <a:pPr algn="ctr"/>
+            <a:endParaRPr lang="en-US"/>
+          </a:p>
+        </p:txBody>
+      </p:sp>
+      <p:cxnSp>
+        <p:nvCxnSpPr>
+          <p:cNvPr id="74" name="Straight Connector 73">
+            <a:extLst>
+              <a:ext uri="{FF2B5EF4-FFF2-40B4-BE49-F238E27FC236}">
+                <a16:creationId xmlns:a16="http://schemas.microsoft.com/office/drawing/2014/main" id="{EA2D1787-52A0-834B-B5E8-4166609A2F9D}"/>
+              </a:ext>
+            </a:extLst>
+          </p:cNvPr>
+          <p:cNvCxnSpPr>
+            <a:cxnSpLocks/>
+          </p:cNvCxnSpPr>
+          <p:nvPr/>
+        </p:nvCxnSpPr>
+        <p:spPr>
+          <a:xfrm>
+            <a:off x="3648893" y="976442"/>
+            <a:ext cx="94551" cy="197222"/>
+          </a:xfrm>
+          <a:prstGeom prst="line">
+            <a:avLst/>
+          </a:prstGeom>
+          <a:ln w="76200">
+            <a:solidFill>
+              <a:srgbClr val="00B050"/>
+            </a:solidFill>
+          </a:ln>
+        </p:spPr>
+        <p:style>
+          <a:lnRef idx="1">
+            <a:schemeClr val="accent1"/>
+          </a:lnRef>
+          <a:fillRef idx="0">
+            <a:schemeClr val="accent1"/>
+          </a:fillRef>
+          <a:effectRef idx="0">
+            <a:schemeClr val="accent1"/>
+          </a:effectRef>
+          <a:fontRef idx="minor">
+            <a:schemeClr val="tx1"/>
+          </a:fontRef>
+        </p:style>
+      </p:cxnSp>
+      <p:cxnSp>
+        <p:nvCxnSpPr>
+          <p:cNvPr id="75" name="Straight Connector 74">
+            <a:extLst>
+              <a:ext uri="{FF2B5EF4-FFF2-40B4-BE49-F238E27FC236}">
+                <a16:creationId xmlns:a16="http://schemas.microsoft.com/office/drawing/2014/main" id="{518DA473-6962-B34C-9D8F-B8BC136D0D02}"/>
+              </a:ext>
+            </a:extLst>
+          </p:cNvPr>
+          <p:cNvCxnSpPr>
+            <a:cxnSpLocks/>
+          </p:cNvCxnSpPr>
+          <p:nvPr/>
+        </p:nvCxnSpPr>
+        <p:spPr>
+          <a:xfrm>
+            <a:off x="3519942" y="1196948"/>
+            <a:ext cx="94551" cy="197222"/>
+          </a:xfrm>
+          <a:prstGeom prst="line">
+            <a:avLst/>
+          </a:prstGeom>
+          <a:ln w="76200">
+            <a:solidFill>
+              <a:srgbClr val="00B050"/>
+            </a:solidFill>
+          </a:ln>
+        </p:spPr>
+        <p:style>
+          <a:lnRef idx="1">
+            <a:schemeClr val="accent1"/>
+          </a:lnRef>
+          <a:fillRef idx="0">
+            <a:schemeClr val="accent1"/>
+          </a:fillRef>
+          <a:effectRef idx="0">
+            <a:schemeClr val="accent1"/>
+          </a:effectRef>
+          <a:fontRef idx="minor">
+            <a:schemeClr val="tx1"/>
+          </a:fontRef>
+        </p:style>
+      </p:cxnSp>
+      <p:cxnSp>
+        <p:nvCxnSpPr>
+          <p:cNvPr id="76" name="Straight Connector 75">
+            <a:extLst>
+              <a:ext uri="{FF2B5EF4-FFF2-40B4-BE49-F238E27FC236}">
+                <a16:creationId xmlns:a16="http://schemas.microsoft.com/office/drawing/2014/main" id="{35EA3C46-80F9-CC48-8CE6-76578B021C72}"/>
+              </a:ext>
+            </a:extLst>
+          </p:cNvPr>
+          <p:cNvCxnSpPr>
+            <a:cxnSpLocks/>
+          </p:cNvCxnSpPr>
+          <p:nvPr/>
+        </p:nvCxnSpPr>
+        <p:spPr>
+          <a:xfrm>
+            <a:off x="3911026" y="1038523"/>
+            <a:ext cx="94551" cy="197222"/>
+          </a:xfrm>
+          <a:prstGeom prst="line">
+            <a:avLst/>
+          </a:prstGeom>
+          <a:ln w="76200">
+            <a:solidFill>
+              <a:srgbClr val="00B050"/>
+            </a:solidFill>
+          </a:ln>
+        </p:spPr>
+        <p:style>
+          <a:lnRef idx="1">
+            <a:schemeClr val="accent1"/>
+          </a:lnRef>
+          <a:fillRef idx="0">
+            <a:schemeClr val="accent1"/>
+          </a:fillRef>
+          <a:effectRef idx="0">
+            <a:schemeClr val="accent1"/>
+          </a:effectRef>
+          <a:fontRef idx="minor">
+            <a:schemeClr val="tx1"/>
+          </a:fontRef>
+        </p:style>
+      </p:cxnSp>
+      <p:cxnSp>
+        <p:nvCxnSpPr>
+          <p:cNvPr id="77" name="Straight Connector 76">
+            <a:extLst>
+              <a:ext uri="{FF2B5EF4-FFF2-40B4-BE49-F238E27FC236}">
+                <a16:creationId xmlns:a16="http://schemas.microsoft.com/office/drawing/2014/main" id="{2B92CB1B-4452-F242-A574-75AB3D3C25CB}"/>
+              </a:ext>
+            </a:extLst>
+          </p:cNvPr>
+          <p:cNvCxnSpPr>
+            <a:cxnSpLocks/>
+          </p:cNvCxnSpPr>
+          <p:nvPr/>
+        </p:nvCxnSpPr>
+        <p:spPr>
+          <a:xfrm>
+            <a:off x="3238139" y="1148854"/>
+            <a:ext cx="94551" cy="197222"/>
+          </a:xfrm>
+          <a:prstGeom prst="line">
+            <a:avLst/>
+          </a:prstGeom>
+          <a:ln w="76200">
+            <a:solidFill>
+              <a:srgbClr val="00B050"/>
+            </a:solidFill>
+          </a:ln>
+        </p:spPr>
+        <p:style>
+          <a:lnRef idx="1">
+            <a:schemeClr val="accent1"/>
+          </a:lnRef>
+          <a:fillRef idx="0">
+            <a:schemeClr val="accent1"/>
+          </a:fillRef>
+          <a:effectRef idx="0">
+            <a:schemeClr val="accent1"/>
+          </a:effectRef>
+          <a:fontRef idx="minor">
+            <a:schemeClr val="tx1"/>
+          </a:fontRef>
+        </p:style>
+      </p:cxnSp>
+      <p:sp>
+        <p:nvSpPr>
+          <p:cNvPr id="79" name="Oval 78">
+            <a:extLst>
+              <a:ext uri="{FF2B5EF4-FFF2-40B4-BE49-F238E27FC236}">
+                <a16:creationId xmlns:a16="http://schemas.microsoft.com/office/drawing/2014/main" id="{32578A96-B53C-A148-B313-A4BA7FC97873}"/>
+              </a:ext>
+            </a:extLst>
+          </p:cNvPr>
+          <p:cNvSpPr/>
+          <p:nvPr/>
+        </p:nvSpPr>
+        <p:spPr>
+          <a:xfrm rot="20415852">
+            <a:off x="537487" y="2345593"/>
+            <a:ext cx="1258428" cy="444197"/>
+          </a:xfrm>
+          <a:prstGeom prst="ellipse">
+            <a:avLst/>
+          </a:prstGeom>
+          <a:solidFill>
+            <a:schemeClr val="bg2">
+              <a:lumMod val="90000"/>
+            </a:schemeClr>
+          </a:solidFill>
+          <a:ln w="76200">
+            <a:solidFill>
+              <a:srgbClr val="00B050"/>
+            </a:solidFill>
+          </a:ln>
+        </p:spPr>
+        <p:style>
+          <a:lnRef idx="2">
+            <a:schemeClr val="accent1">
+              <a:shade val="50000"/>
+            </a:schemeClr>
+          </a:lnRef>
+          <a:fillRef idx="1">
+            <a:schemeClr val="accent1"/>
+          </a:fillRef>
+          <a:effectRef idx="0">
+            <a:schemeClr val="accent1"/>
+          </a:effectRef>
+          <a:fontRef idx="minor">
+            <a:schemeClr val="lt1"/>
+          </a:fontRef>
+        </p:style>
+        <p:txBody>
+          <a:bodyPr rtlCol="0" anchor="ctr"/>
+          <a:lstStyle/>
+          <a:p>
+            <a:pPr algn="ctr"/>
+            <a:endParaRPr lang="en-US"/>
+          </a:p>
+        </p:txBody>
+      </p:sp>
+      <p:cxnSp>
+        <p:nvCxnSpPr>
+          <p:cNvPr id="80" name="Straight Connector 79">
+            <a:extLst>
+              <a:ext uri="{FF2B5EF4-FFF2-40B4-BE49-F238E27FC236}">
+                <a16:creationId xmlns:a16="http://schemas.microsoft.com/office/drawing/2014/main" id="{B23F0BA7-5FD0-7B4A-B836-D48F1629DE09}"/>
+              </a:ext>
+            </a:extLst>
+          </p:cNvPr>
+          <p:cNvCxnSpPr>
+            <a:cxnSpLocks/>
+          </p:cNvCxnSpPr>
+          <p:nvPr/>
+        </p:nvCxnSpPr>
+        <p:spPr>
+          <a:xfrm>
+            <a:off x="1186623" y="2358753"/>
+            <a:ext cx="94551" cy="197222"/>
+          </a:xfrm>
+          <a:prstGeom prst="line">
+            <a:avLst/>
+          </a:prstGeom>
+          <a:ln w="76200">
+            <a:solidFill>
+              <a:srgbClr val="00B050"/>
+            </a:solidFill>
+          </a:ln>
+        </p:spPr>
+        <p:style>
+          <a:lnRef idx="1">
+            <a:schemeClr val="accent1"/>
+          </a:lnRef>
+          <a:fillRef idx="0">
+            <a:schemeClr val="accent1"/>
+          </a:fillRef>
+          <a:effectRef idx="0">
+            <a:schemeClr val="accent1"/>
+          </a:effectRef>
+          <a:fontRef idx="minor">
+            <a:schemeClr val="tx1"/>
+          </a:fontRef>
+        </p:style>
+      </p:cxnSp>
+      <p:cxnSp>
+        <p:nvCxnSpPr>
+          <p:cNvPr id="81" name="Straight Connector 80">
+            <a:extLst>
+              <a:ext uri="{FF2B5EF4-FFF2-40B4-BE49-F238E27FC236}">
+                <a16:creationId xmlns:a16="http://schemas.microsoft.com/office/drawing/2014/main" id="{47788DEC-506E-DE4E-8A53-695A36751254}"/>
+              </a:ext>
+            </a:extLst>
+          </p:cNvPr>
+          <p:cNvCxnSpPr>
+            <a:cxnSpLocks/>
+          </p:cNvCxnSpPr>
+          <p:nvPr/>
+        </p:nvCxnSpPr>
+        <p:spPr>
+          <a:xfrm>
+            <a:off x="1057672" y="2579259"/>
+            <a:ext cx="94551" cy="197222"/>
+          </a:xfrm>
+          <a:prstGeom prst="line">
+            <a:avLst/>
+          </a:prstGeom>
+          <a:ln w="76200">
+            <a:solidFill>
+              <a:srgbClr val="00B050"/>
+            </a:solidFill>
+          </a:ln>
+        </p:spPr>
+        <p:style>
+          <a:lnRef idx="1">
+            <a:schemeClr val="accent1"/>
+          </a:lnRef>
+          <a:fillRef idx="0">
+            <a:schemeClr val="accent1"/>
+          </a:fillRef>
+          <a:effectRef idx="0">
+            <a:schemeClr val="accent1"/>
+          </a:effectRef>
+          <a:fontRef idx="minor">
+            <a:schemeClr val="tx1"/>
+          </a:fontRef>
+        </p:style>
+      </p:cxnSp>
+      <p:cxnSp>
+        <p:nvCxnSpPr>
+          <p:cNvPr id="82" name="Straight Connector 81">
+            <a:extLst>
+              <a:ext uri="{FF2B5EF4-FFF2-40B4-BE49-F238E27FC236}">
+                <a16:creationId xmlns:a16="http://schemas.microsoft.com/office/drawing/2014/main" id="{FDC028A0-DA30-C641-9451-2B67253241D5}"/>
+              </a:ext>
+            </a:extLst>
+          </p:cNvPr>
+          <p:cNvCxnSpPr>
+            <a:cxnSpLocks/>
+          </p:cNvCxnSpPr>
+          <p:nvPr/>
+        </p:nvCxnSpPr>
+        <p:spPr>
+          <a:xfrm>
+            <a:off x="1448756" y="2420834"/>
+            <a:ext cx="94551" cy="197222"/>
+          </a:xfrm>
+          <a:prstGeom prst="line">
+            <a:avLst/>
+          </a:prstGeom>
+          <a:ln w="76200">
+            <a:solidFill>
+              <a:srgbClr val="00B050"/>
+            </a:solidFill>
+          </a:ln>
+        </p:spPr>
+        <p:style>
+          <a:lnRef idx="1">
+            <a:schemeClr val="accent1"/>
+          </a:lnRef>
+          <a:fillRef idx="0">
+            <a:schemeClr val="accent1"/>
+          </a:fillRef>
+          <a:effectRef idx="0">
+            <a:schemeClr val="accent1"/>
+          </a:effectRef>
+          <a:fontRef idx="minor">
+            <a:schemeClr val="tx1"/>
+          </a:fontRef>
+        </p:style>
+      </p:cxnSp>
+      <p:cxnSp>
+        <p:nvCxnSpPr>
+          <p:cNvPr id="83" name="Straight Connector 82">
+            <a:extLst>
+              <a:ext uri="{FF2B5EF4-FFF2-40B4-BE49-F238E27FC236}">
+                <a16:creationId xmlns:a16="http://schemas.microsoft.com/office/drawing/2014/main" id="{70EA3ED9-348A-C34A-92DD-8972B3761440}"/>
+              </a:ext>
+            </a:extLst>
+          </p:cNvPr>
+          <p:cNvCxnSpPr>
+            <a:cxnSpLocks/>
+          </p:cNvCxnSpPr>
+          <p:nvPr/>
+        </p:nvCxnSpPr>
+        <p:spPr>
+          <a:xfrm>
+            <a:off x="775869" y="2531165"/>
+            <a:ext cx="94551" cy="197222"/>
+          </a:xfrm>
+          <a:prstGeom prst="line">
+            <a:avLst/>
+          </a:prstGeom>
+          <a:ln w="76200">
+            <a:solidFill>
+              <a:srgbClr val="00B050"/>
+            </a:solidFill>
+          </a:ln>
+        </p:spPr>
+        <p:style>
+          <a:lnRef idx="1">
+            <a:schemeClr val="accent1"/>
+          </a:lnRef>
+          <a:fillRef idx="0">
+            <a:schemeClr val="accent1"/>
+          </a:fillRef>
+          <a:effectRef idx="0">
+            <a:schemeClr val="accent1"/>
+          </a:effectRef>
+          <a:fontRef idx="minor">
+            <a:schemeClr val="tx1"/>
+          </a:fontRef>
+        </p:style>
+      </p:cxnSp>
+      <p:sp>
+        <p:nvSpPr>
+          <p:cNvPr id="89" name="Oval 88">
+            <a:extLst>
+              <a:ext uri="{FF2B5EF4-FFF2-40B4-BE49-F238E27FC236}">
+                <a16:creationId xmlns:a16="http://schemas.microsoft.com/office/drawing/2014/main" id="{DA3F36F3-F5AE-824B-A8EE-1FE67E393212}"/>
+              </a:ext>
+            </a:extLst>
+          </p:cNvPr>
+          <p:cNvSpPr/>
+          <p:nvPr/>
+        </p:nvSpPr>
+        <p:spPr>
+          <a:xfrm rot="20415852">
+            <a:off x="564916" y="4062160"/>
+            <a:ext cx="1258428" cy="444197"/>
+          </a:xfrm>
+          <a:prstGeom prst="ellipse">
+            <a:avLst/>
+          </a:prstGeom>
+          <a:solidFill>
+            <a:schemeClr val="bg2">
+              <a:lumMod val="90000"/>
+            </a:schemeClr>
+          </a:solidFill>
+          <a:ln w="76200">
+            <a:solidFill>
+              <a:schemeClr val="accent1"/>
+            </a:solidFill>
+          </a:ln>
+        </p:spPr>
+        <p:style>
+          <a:lnRef idx="2">
+            <a:schemeClr val="accent1">
+              <a:shade val="50000"/>
+            </a:schemeClr>
+          </a:lnRef>
+          <a:fillRef idx="1">
+            <a:schemeClr val="accent1"/>
+          </a:fillRef>
+          <a:effectRef idx="0">
+            <a:schemeClr val="accent1"/>
+          </a:effectRef>
+          <a:fontRef idx="minor">
+            <a:schemeClr val="lt1"/>
+          </a:fontRef>
+        </p:style>
+        <p:txBody>
+          <a:bodyPr rtlCol="0" anchor="ctr"/>
+          <a:lstStyle/>
+          <a:p>
+            <a:pPr algn="ctr"/>
+            <a:endParaRPr lang="en-US"/>
+          </a:p>
+        </p:txBody>
+      </p:sp>
+      <p:cxnSp>
+        <p:nvCxnSpPr>
+          <p:cNvPr id="90" name="Straight Connector 89">
+            <a:extLst>
+              <a:ext uri="{FF2B5EF4-FFF2-40B4-BE49-F238E27FC236}">
+                <a16:creationId xmlns:a16="http://schemas.microsoft.com/office/drawing/2014/main" id="{0A2F135A-4A6A-B34C-95CA-0B253B1F67E3}"/>
+              </a:ext>
+            </a:extLst>
+          </p:cNvPr>
+          <p:cNvCxnSpPr>
+            <a:cxnSpLocks/>
+          </p:cNvCxnSpPr>
+          <p:nvPr/>
+        </p:nvCxnSpPr>
+        <p:spPr>
+          <a:xfrm>
+            <a:off x="1214052" y="4075320"/>
+            <a:ext cx="94551" cy="197222"/>
+          </a:xfrm>
+          <a:prstGeom prst="line">
+            <a:avLst/>
+          </a:prstGeom>
+          <a:ln w="76200">
+            <a:solidFill>
+              <a:schemeClr val="accent1"/>
+            </a:solidFill>
+          </a:ln>
+        </p:spPr>
+        <p:style>
+          <a:lnRef idx="1">
+            <a:schemeClr val="accent1"/>
+          </a:lnRef>
+          <a:fillRef idx="0">
+            <a:schemeClr val="accent1"/>
+          </a:fillRef>
+          <a:effectRef idx="0">
+            <a:schemeClr val="accent1"/>
+          </a:effectRef>
+          <a:fontRef idx="minor">
+            <a:schemeClr val="tx1"/>
+          </a:fontRef>
+        </p:style>
+      </p:cxnSp>
+      <p:cxnSp>
+        <p:nvCxnSpPr>
+          <p:cNvPr id="91" name="Straight Connector 90">
+            <a:extLst>
+              <a:ext uri="{FF2B5EF4-FFF2-40B4-BE49-F238E27FC236}">
+                <a16:creationId xmlns:a16="http://schemas.microsoft.com/office/drawing/2014/main" id="{BF47F10C-CB22-054A-AA35-7DA03589E74E}"/>
+              </a:ext>
+            </a:extLst>
+          </p:cNvPr>
+          <p:cNvCxnSpPr>
+            <a:cxnSpLocks/>
+          </p:cNvCxnSpPr>
+          <p:nvPr/>
+        </p:nvCxnSpPr>
+        <p:spPr>
+          <a:xfrm>
+            <a:off x="1085101" y="4295826"/>
+            <a:ext cx="94551" cy="197222"/>
+          </a:xfrm>
+          <a:prstGeom prst="line">
+            <a:avLst/>
+          </a:prstGeom>
+          <a:ln w="76200">
+            <a:solidFill>
+              <a:schemeClr val="accent1"/>
+            </a:solidFill>
+          </a:ln>
+        </p:spPr>
+        <p:style>
+          <a:lnRef idx="1">
+            <a:schemeClr val="accent1"/>
+          </a:lnRef>
+          <a:fillRef idx="0">
+            <a:schemeClr val="accent1"/>
+          </a:fillRef>
+          <a:effectRef idx="0">
+            <a:schemeClr val="accent1"/>
+          </a:effectRef>
+          <a:fontRef idx="minor">
+            <a:schemeClr val="tx1"/>
+          </a:fontRef>
+        </p:style>
+      </p:cxnSp>
+      <p:cxnSp>
+        <p:nvCxnSpPr>
+          <p:cNvPr id="92" name="Straight Connector 91">
+            <a:extLst>
+              <a:ext uri="{FF2B5EF4-FFF2-40B4-BE49-F238E27FC236}">
+                <a16:creationId xmlns:a16="http://schemas.microsoft.com/office/drawing/2014/main" id="{6C43F3B9-9B2C-944B-B636-CFC3FC7B537A}"/>
+              </a:ext>
+            </a:extLst>
+          </p:cNvPr>
+          <p:cNvCxnSpPr>
+            <a:cxnSpLocks/>
+          </p:cNvCxnSpPr>
+          <p:nvPr/>
+        </p:nvCxnSpPr>
+        <p:spPr>
+          <a:xfrm>
+            <a:off x="1476185" y="4137401"/>
+            <a:ext cx="94551" cy="197222"/>
+          </a:xfrm>
+          <a:prstGeom prst="line">
+            <a:avLst/>
+          </a:prstGeom>
+          <a:ln w="76200">
+            <a:solidFill>
+              <a:schemeClr val="accent1"/>
+            </a:solidFill>
+          </a:ln>
+        </p:spPr>
+        <p:style>
+          <a:lnRef idx="1">
+            <a:schemeClr val="accent1"/>
+          </a:lnRef>
+          <a:fillRef idx="0">
+            <a:schemeClr val="accent1"/>
+          </a:fillRef>
+          <a:effectRef idx="0">
+            <a:schemeClr val="accent1"/>
+          </a:effectRef>
+          <a:fontRef idx="minor">
+            <a:schemeClr val="tx1"/>
+          </a:fontRef>
+        </p:style>
+      </p:cxnSp>
+      <p:cxnSp>
+        <p:nvCxnSpPr>
+          <p:cNvPr id="93" name="Straight Connector 92">
+            <a:extLst>
+              <a:ext uri="{FF2B5EF4-FFF2-40B4-BE49-F238E27FC236}">
+                <a16:creationId xmlns:a16="http://schemas.microsoft.com/office/drawing/2014/main" id="{339944AC-5113-764A-AA2D-E5607FF9C332}"/>
+              </a:ext>
+            </a:extLst>
+          </p:cNvPr>
+          <p:cNvCxnSpPr>
+            <a:cxnSpLocks/>
+          </p:cNvCxnSpPr>
+          <p:nvPr/>
+        </p:nvCxnSpPr>
+        <p:spPr>
+          <a:xfrm>
+            <a:off x="803298" y="4247732"/>
+            <a:ext cx="94551" cy="197222"/>
+          </a:xfrm>
+          <a:prstGeom prst="line">
+            <a:avLst/>
+          </a:prstGeom>
+          <a:ln w="76200">
+            <a:solidFill>
+              <a:schemeClr val="accent1"/>
+            </a:solidFill>
+          </a:ln>
+        </p:spPr>
+        <p:style>
+          <a:lnRef idx="1">
+            <a:schemeClr val="accent1"/>
+          </a:lnRef>
+          <a:fillRef idx="0">
+            <a:schemeClr val="accent1"/>
+          </a:fillRef>
+          <a:effectRef idx="0">
+            <a:schemeClr val="accent1"/>
+          </a:effectRef>
+          <a:fontRef idx="minor">
+            <a:schemeClr val="tx1"/>
+          </a:fontRef>
+        </p:style>
+      </p:cxnSp>
+      <p:sp>
+        <p:nvSpPr>
+          <p:cNvPr id="94" name="Oval 93">
+            <a:extLst>
+              <a:ext uri="{FF2B5EF4-FFF2-40B4-BE49-F238E27FC236}">
+                <a16:creationId xmlns:a16="http://schemas.microsoft.com/office/drawing/2014/main" id="{2139EF22-963D-6E43-A66A-1F8FF7D6D4A2}"/>
+              </a:ext>
+            </a:extLst>
+          </p:cNvPr>
+          <p:cNvSpPr/>
+          <p:nvPr/>
+        </p:nvSpPr>
+        <p:spPr>
+          <a:xfrm rot="20415852">
+            <a:off x="3141168" y="4060281"/>
+            <a:ext cx="1258428" cy="444197"/>
+          </a:xfrm>
+          <a:prstGeom prst="ellipse">
+            <a:avLst/>
+          </a:prstGeom>
+          <a:solidFill>
+            <a:schemeClr val="bg2">
+              <a:lumMod val="90000"/>
+            </a:schemeClr>
+          </a:solidFill>
+          <a:ln w="76200">
+            <a:solidFill>
+              <a:schemeClr val="accent1"/>
+            </a:solidFill>
+          </a:ln>
+        </p:spPr>
+        <p:style>
+          <a:lnRef idx="2">
+            <a:schemeClr val="accent1">
+              <a:shade val="50000"/>
+            </a:schemeClr>
+          </a:lnRef>
+          <a:fillRef idx="1">
+            <a:schemeClr val="accent1"/>
+          </a:fillRef>
+          <a:effectRef idx="0">
+            <a:schemeClr val="accent1"/>
+          </a:effectRef>
+          <a:fontRef idx="minor">
+            <a:schemeClr val="lt1"/>
+          </a:fontRef>
+        </p:style>
+        <p:txBody>
+          <a:bodyPr rtlCol="0" anchor="ctr"/>
+          <a:lstStyle/>
+          <a:p>
+            <a:pPr algn="ctr"/>
+            <a:endParaRPr lang="en-US"/>
+          </a:p>
+        </p:txBody>
+      </p:sp>
+      <p:cxnSp>
+        <p:nvCxnSpPr>
+          <p:cNvPr id="95" name="Straight Connector 94">
+            <a:extLst>
+              <a:ext uri="{FF2B5EF4-FFF2-40B4-BE49-F238E27FC236}">
+                <a16:creationId xmlns:a16="http://schemas.microsoft.com/office/drawing/2014/main" id="{AA450711-1EF2-C846-8709-1D7B60AD6815}"/>
+              </a:ext>
+            </a:extLst>
+          </p:cNvPr>
+          <p:cNvCxnSpPr>
+            <a:cxnSpLocks/>
+          </p:cNvCxnSpPr>
+          <p:nvPr/>
+        </p:nvCxnSpPr>
+        <p:spPr>
+          <a:xfrm>
+            <a:off x="3790304" y="4073441"/>
+            <a:ext cx="94551" cy="197222"/>
+          </a:xfrm>
+          <a:prstGeom prst="line">
+            <a:avLst/>
+          </a:prstGeom>
+          <a:ln w="76200">
+            <a:solidFill>
+              <a:schemeClr val="accent1"/>
+            </a:solidFill>
+          </a:ln>
+        </p:spPr>
+        <p:style>
+          <a:lnRef idx="1">
+            <a:schemeClr val="accent1"/>
+          </a:lnRef>
+          <a:fillRef idx="0">
+            <a:schemeClr val="accent1"/>
+          </a:fillRef>
+          <a:effectRef idx="0">
+            <a:schemeClr val="accent1"/>
+          </a:effectRef>
+          <a:fontRef idx="minor">
+            <a:schemeClr val="tx1"/>
+          </a:fontRef>
+        </p:style>
+      </p:cxnSp>
+      <p:cxnSp>
+        <p:nvCxnSpPr>
+          <p:cNvPr id="96" name="Straight Connector 95">
+            <a:extLst>
+              <a:ext uri="{FF2B5EF4-FFF2-40B4-BE49-F238E27FC236}">
+                <a16:creationId xmlns:a16="http://schemas.microsoft.com/office/drawing/2014/main" id="{9146F63F-7D49-8B4F-BA8A-1F83FD230946}"/>
+              </a:ext>
+            </a:extLst>
+          </p:cNvPr>
+          <p:cNvCxnSpPr>
+            <a:cxnSpLocks/>
+          </p:cNvCxnSpPr>
+          <p:nvPr/>
+        </p:nvCxnSpPr>
+        <p:spPr>
+          <a:xfrm>
+            <a:off x="3661353" y="4293947"/>
+            <a:ext cx="94551" cy="197222"/>
+          </a:xfrm>
+          <a:prstGeom prst="line">
+            <a:avLst/>
+          </a:prstGeom>
+          <a:ln w="76200">
+            <a:solidFill>
+              <a:schemeClr val="accent1"/>
+            </a:solidFill>
+          </a:ln>
+        </p:spPr>
+        <p:style>
+          <a:lnRef idx="1">
+            <a:schemeClr val="accent1"/>
+          </a:lnRef>
+          <a:fillRef idx="0">
+            <a:schemeClr val="accent1"/>
+          </a:fillRef>
+          <a:effectRef idx="0">
+            <a:schemeClr val="accent1"/>
+          </a:effectRef>
+          <a:fontRef idx="minor">
+            <a:schemeClr val="tx1"/>
+          </a:fontRef>
+        </p:style>
+      </p:cxnSp>
+      <p:cxnSp>
+        <p:nvCxnSpPr>
+          <p:cNvPr id="98" name="Straight Connector 97">
+            <a:extLst>
+              <a:ext uri="{FF2B5EF4-FFF2-40B4-BE49-F238E27FC236}">
+                <a16:creationId xmlns:a16="http://schemas.microsoft.com/office/drawing/2014/main" id="{93D78C3D-B3CB-3B48-80D9-369E8E855CC5}"/>
+              </a:ext>
+            </a:extLst>
+          </p:cNvPr>
+          <p:cNvCxnSpPr>
+            <a:cxnSpLocks/>
+          </p:cNvCxnSpPr>
+          <p:nvPr/>
+        </p:nvCxnSpPr>
+        <p:spPr>
+          <a:xfrm>
+            <a:off x="4052437" y="4135522"/>
+            <a:ext cx="94551" cy="197222"/>
+          </a:xfrm>
+          <a:prstGeom prst="line">
+            <a:avLst/>
+          </a:prstGeom>
+          <a:ln w="76200">
+            <a:solidFill>
+              <a:schemeClr val="accent1"/>
+            </a:solidFill>
+          </a:ln>
+        </p:spPr>
+        <p:style>
+          <a:lnRef idx="1">
+            <a:schemeClr val="accent1"/>
+          </a:lnRef>
+          <a:fillRef idx="0">
+            <a:schemeClr val="accent1"/>
+          </a:fillRef>
+          <a:effectRef idx="0">
+            <a:schemeClr val="accent1"/>
+          </a:effectRef>
+          <a:fontRef idx="minor">
+            <a:schemeClr val="tx1"/>
+          </a:fontRef>
+        </p:style>
+      </p:cxnSp>
+      <p:cxnSp>
+        <p:nvCxnSpPr>
+          <p:cNvPr id="99" name="Straight Connector 98">
+            <a:extLst>
+              <a:ext uri="{FF2B5EF4-FFF2-40B4-BE49-F238E27FC236}">
+                <a16:creationId xmlns:a16="http://schemas.microsoft.com/office/drawing/2014/main" id="{E74CA06D-B040-2544-8136-CF98897817E8}"/>
+              </a:ext>
+            </a:extLst>
+          </p:cNvPr>
+          <p:cNvCxnSpPr>
+            <a:cxnSpLocks/>
+          </p:cNvCxnSpPr>
+          <p:nvPr/>
+        </p:nvCxnSpPr>
+        <p:spPr>
+          <a:xfrm>
+            <a:off x="3379550" y="4245853"/>
+            <a:ext cx="94551" cy="197222"/>
+          </a:xfrm>
+          <a:prstGeom prst="line">
+            <a:avLst/>
+          </a:prstGeom>
+          <a:ln w="76200">
+            <a:solidFill>
+              <a:schemeClr val="accent1"/>
+            </a:solidFill>
+          </a:ln>
+        </p:spPr>
+        <p:style>
+          <a:lnRef idx="1">
+            <a:schemeClr val="accent1"/>
+          </a:lnRef>
+          <a:fillRef idx="0">
+            <a:schemeClr val="accent1"/>
+          </a:fillRef>
+          <a:effectRef idx="0">
+            <a:schemeClr val="accent1"/>
+          </a:effectRef>
+          <a:fontRef idx="minor">
+            <a:schemeClr val="tx1"/>
+          </a:fontRef>
+        </p:style>
+      </p:cxnSp>
+      <p:sp>
+        <p:nvSpPr>
+          <p:cNvPr id="100" name="Oval 99">
+            <a:extLst>
+              <a:ext uri="{FF2B5EF4-FFF2-40B4-BE49-F238E27FC236}">
+                <a16:creationId xmlns:a16="http://schemas.microsoft.com/office/drawing/2014/main" id="{212EC63D-8DAC-804E-AFCD-CC505AF8079A}"/>
+              </a:ext>
+            </a:extLst>
+          </p:cNvPr>
+          <p:cNvSpPr/>
+          <p:nvPr/>
+        </p:nvSpPr>
+        <p:spPr>
+          <a:xfrm rot="20415852">
+            <a:off x="4314645" y="4062159"/>
+            <a:ext cx="1258428" cy="444197"/>
+          </a:xfrm>
+          <a:prstGeom prst="ellipse">
+            <a:avLst/>
+          </a:prstGeom>
+          <a:solidFill>
+            <a:schemeClr val="bg2">
+              <a:lumMod val="90000"/>
+            </a:schemeClr>
+          </a:solidFill>
+          <a:ln w="76200">
+            <a:solidFill>
+              <a:schemeClr val="accent1"/>
+            </a:solidFill>
+          </a:ln>
+        </p:spPr>
+        <p:style>
+          <a:lnRef idx="2">
+            <a:schemeClr val="accent1">
+              <a:shade val="50000"/>
+            </a:schemeClr>
+          </a:lnRef>
+          <a:fillRef idx="1">
+            <a:schemeClr val="accent1"/>
+          </a:fillRef>
+          <a:effectRef idx="0">
+            <a:schemeClr val="accent1"/>
+          </a:effectRef>
+          <a:fontRef idx="minor">
+            <a:schemeClr val="lt1"/>
+          </a:fontRef>
+        </p:style>
+        <p:txBody>
+          <a:bodyPr rtlCol="0" anchor="ctr"/>
+          <a:lstStyle/>
+          <a:p>
+            <a:pPr algn="ctr"/>
+            <a:endParaRPr lang="en-US"/>
+          </a:p>
+        </p:txBody>
+      </p:sp>
+      <p:cxnSp>
+        <p:nvCxnSpPr>
+          <p:cNvPr id="101" name="Straight Connector 100">
+            <a:extLst>
+              <a:ext uri="{FF2B5EF4-FFF2-40B4-BE49-F238E27FC236}">
+                <a16:creationId xmlns:a16="http://schemas.microsoft.com/office/drawing/2014/main" id="{531460AE-377A-284B-AFD8-FB1E982A1A8E}"/>
+              </a:ext>
+            </a:extLst>
+          </p:cNvPr>
+          <p:cNvCxnSpPr>
+            <a:cxnSpLocks/>
+          </p:cNvCxnSpPr>
+          <p:nvPr/>
+        </p:nvCxnSpPr>
+        <p:spPr>
+          <a:xfrm>
+            <a:off x="4963781" y="4075319"/>
+            <a:ext cx="94551" cy="197222"/>
+          </a:xfrm>
+          <a:prstGeom prst="line">
+            <a:avLst/>
+          </a:prstGeom>
+          <a:ln w="76200">
+            <a:solidFill>
+              <a:schemeClr val="accent1"/>
+            </a:solidFill>
+          </a:ln>
+        </p:spPr>
+        <p:style>
+          <a:lnRef idx="1">
+            <a:schemeClr val="accent1"/>
+          </a:lnRef>
+          <a:fillRef idx="0">
+            <a:schemeClr val="accent1"/>
+          </a:fillRef>
+          <a:effectRef idx="0">
+            <a:schemeClr val="accent1"/>
+          </a:effectRef>
+          <a:fontRef idx="minor">
+            <a:schemeClr val="tx1"/>
+          </a:fontRef>
+        </p:style>
+      </p:cxnSp>
+      <p:cxnSp>
+        <p:nvCxnSpPr>
+          <p:cNvPr id="102" name="Straight Connector 101">
+            <a:extLst>
+              <a:ext uri="{FF2B5EF4-FFF2-40B4-BE49-F238E27FC236}">
+                <a16:creationId xmlns:a16="http://schemas.microsoft.com/office/drawing/2014/main" id="{9C9A9983-61D6-D040-92E4-BDAC0856D04A}"/>
+              </a:ext>
+            </a:extLst>
+          </p:cNvPr>
+          <p:cNvCxnSpPr>
+            <a:cxnSpLocks/>
+          </p:cNvCxnSpPr>
+          <p:nvPr/>
+        </p:nvCxnSpPr>
+        <p:spPr>
+          <a:xfrm>
+            <a:off x="4834830" y="4295825"/>
+            <a:ext cx="94551" cy="197222"/>
+          </a:xfrm>
+          <a:prstGeom prst="line">
+            <a:avLst/>
+          </a:prstGeom>
+          <a:ln w="76200">
+            <a:solidFill>
+              <a:schemeClr val="accent1"/>
+            </a:solidFill>
+          </a:ln>
+        </p:spPr>
+        <p:style>
+          <a:lnRef idx="1">
+            <a:schemeClr val="accent1"/>
+          </a:lnRef>
+          <a:fillRef idx="0">
+            <a:schemeClr val="accent1"/>
+          </a:fillRef>
+          <a:effectRef idx="0">
+            <a:schemeClr val="accent1"/>
+          </a:effectRef>
+          <a:fontRef idx="minor">
+            <a:schemeClr val="tx1"/>
+          </a:fontRef>
+        </p:style>
+      </p:cxnSp>
+      <p:cxnSp>
+        <p:nvCxnSpPr>
+          <p:cNvPr id="103" name="Straight Connector 102">
+            <a:extLst>
+              <a:ext uri="{FF2B5EF4-FFF2-40B4-BE49-F238E27FC236}">
+                <a16:creationId xmlns:a16="http://schemas.microsoft.com/office/drawing/2014/main" id="{E38DC4D7-9E99-5348-967D-B9CFA08AC76B}"/>
+              </a:ext>
+            </a:extLst>
+          </p:cNvPr>
+          <p:cNvCxnSpPr>
+            <a:cxnSpLocks/>
+          </p:cNvCxnSpPr>
+          <p:nvPr/>
+        </p:nvCxnSpPr>
+        <p:spPr>
+          <a:xfrm>
+            <a:off x="5225914" y="4137400"/>
+            <a:ext cx="94551" cy="197222"/>
+          </a:xfrm>
+          <a:prstGeom prst="line">
+            <a:avLst/>
+          </a:prstGeom>
+          <a:ln w="76200">
+            <a:solidFill>
+              <a:schemeClr val="accent1"/>
+            </a:solidFill>
+          </a:ln>
+        </p:spPr>
+        <p:style>
+          <a:lnRef idx="1">
+            <a:schemeClr val="accent1"/>
+          </a:lnRef>
+          <a:fillRef idx="0">
+            <a:schemeClr val="accent1"/>
+          </a:fillRef>
+          <a:effectRef idx="0">
+            <a:schemeClr val="accent1"/>
+          </a:effectRef>
+          <a:fontRef idx="minor">
+            <a:schemeClr val="tx1"/>
+          </a:fontRef>
+        </p:style>
+      </p:cxnSp>
+      <p:cxnSp>
+        <p:nvCxnSpPr>
+          <p:cNvPr id="104" name="Straight Connector 103">
+            <a:extLst>
+              <a:ext uri="{FF2B5EF4-FFF2-40B4-BE49-F238E27FC236}">
+                <a16:creationId xmlns:a16="http://schemas.microsoft.com/office/drawing/2014/main" id="{FE8EFE62-0D4A-9947-BE3B-FC2196D4D95E}"/>
+              </a:ext>
+            </a:extLst>
+          </p:cNvPr>
+          <p:cNvCxnSpPr>
+            <a:cxnSpLocks/>
+          </p:cNvCxnSpPr>
+          <p:nvPr/>
+        </p:nvCxnSpPr>
+        <p:spPr>
+          <a:xfrm>
+            <a:off x="4553027" y="4247731"/>
+            <a:ext cx="94551" cy="197222"/>
+          </a:xfrm>
+          <a:prstGeom prst="line">
+            <a:avLst/>
+          </a:prstGeom>
+          <a:ln w="76200">
+            <a:solidFill>
+              <a:schemeClr val="accent1"/>
+            </a:solidFill>
+          </a:ln>
+        </p:spPr>
+        <p:style>
+          <a:lnRef idx="1">
+            <a:schemeClr val="accent1"/>
+          </a:lnRef>
+          <a:fillRef idx="0">
+            <a:schemeClr val="accent1"/>
+          </a:fillRef>
+          <a:effectRef idx="0">
+            <a:schemeClr val="accent1"/>
+          </a:effectRef>
+          <a:fontRef idx="minor">
+            <a:schemeClr val="tx1"/>
+          </a:fontRef>
+        </p:style>
+      </p:cxnSp>
+      <p:sp>
+        <p:nvSpPr>
+          <p:cNvPr id="105" name="Oval 104">
+            <a:extLst>
+              <a:ext uri="{FF2B5EF4-FFF2-40B4-BE49-F238E27FC236}">
+                <a16:creationId xmlns:a16="http://schemas.microsoft.com/office/drawing/2014/main" id="{24481F31-C1A1-C945-A8A1-DD69FBE31C78}"/>
+              </a:ext>
+            </a:extLst>
+          </p:cNvPr>
+          <p:cNvSpPr/>
+          <p:nvPr/>
+        </p:nvSpPr>
+        <p:spPr>
+          <a:xfrm rot="20415852">
+            <a:off x="4176914" y="957523"/>
+            <a:ext cx="1258428" cy="444197"/>
+          </a:xfrm>
+          <a:prstGeom prst="ellipse">
+            <a:avLst/>
+          </a:prstGeom>
+          <a:solidFill>
+            <a:schemeClr val="bg2">
+              <a:lumMod val="90000"/>
+            </a:schemeClr>
+          </a:solidFill>
+          <a:ln w="76200">
+            <a:solidFill>
+              <a:srgbClr val="00B050"/>
+            </a:solidFill>
+          </a:ln>
+        </p:spPr>
+        <p:style>
+          <a:lnRef idx="2">
+            <a:schemeClr val="accent1">
+              <a:shade val="50000"/>
+            </a:schemeClr>
+          </a:lnRef>
+          <a:fillRef idx="1">
+            <a:schemeClr val="accent1"/>
+          </a:fillRef>
+          <a:effectRef idx="0">
+            <a:schemeClr val="accent1"/>
+          </a:effectRef>
+          <a:fontRef idx="minor">
+            <a:schemeClr val="lt1"/>
+          </a:fontRef>
+        </p:style>
+        <p:txBody>
+          <a:bodyPr rtlCol="0" anchor="ctr"/>
+          <a:lstStyle/>
+          <a:p>
+            <a:pPr algn="ctr"/>
+            <a:endParaRPr lang="en-US"/>
+          </a:p>
+        </p:txBody>
+      </p:sp>
+      <p:cxnSp>
+        <p:nvCxnSpPr>
+          <p:cNvPr id="106" name="Straight Connector 105">
+            <a:extLst>
+              <a:ext uri="{FF2B5EF4-FFF2-40B4-BE49-F238E27FC236}">
+                <a16:creationId xmlns:a16="http://schemas.microsoft.com/office/drawing/2014/main" id="{A601C1C8-4974-FC46-9616-27A329AE8AF7}"/>
+              </a:ext>
+            </a:extLst>
+          </p:cNvPr>
+          <p:cNvCxnSpPr>
+            <a:cxnSpLocks/>
+          </p:cNvCxnSpPr>
+          <p:nvPr/>
+        </p:nvCxnSpPr>
+        <p:spPr>
+          <a:xfrm>
+            <a:off x="4826050" y="970683"/>
+            <a:ext cx="94551" cy="197222"/>
+          </a:xfrm>
+          <a:prstGeom prst="line">
+            <a:avLst/>
+          </a:prstGeom>
+          <a:ln w="76200">
+            <a:solidFill>
+              <a:srgbClr val="00B050"/>
+            </a:solidFill>
+          </a:ln>
+        </p:spPr>
+        <p:style>
+          <a:lnRef idx="1">
+            <a:schemeClr val="accent1"/>
+          </a:lnRef>
+          <a:fillRef idx="0">
+            <a:schemeClr val="accent1"/>
+          </a:fillRef>
+          <a:effectRef idx="0">
+            <a:schemeClr val="accent1"/>
+          </a:effectRef>
+          <a:fontRef idx="minor">
+            <a:schemeClr val="tx1"/>
+          </a:fontRef>
+        </p:style>
+      </p:cxnSp>
+      <p:cxnSp>
+        <p:nvCxnSpPr>
+          <p:cNvPr id="107" name="Straight Connector 106">
+            <a:extLst>
+              <a:ext uri="{FF2B5EF4-FFF2-40B4-BE49-F238E27FC236}">
+                <a16:creationId xmlns:a16="http://schemas.microsoft.com/office/drawing/2014/main" id="{E5D73DEC-37B0-E74D-BC57-96DECA8D6B6D}"/>
+              </a:ext>
+            </a:extLst>
+          </p:cNvPr>
+          <p:cNvCxnSpPr>
+            <a:cxnSpLocks/>
+          </p:cNvCxnSpPr>
+          <p:nvPr/>
+        </p:nvCxnSpPr>
+        <p:spPr>
+          <a:xfrm>
+            <a:off x="4697099" y="1191189"/>
+            <a:ext cx="94551" cy="197222"/>
+          </a:xfrm>
+          <a:prstGeom prst="line">
+            <a:avLst/>
+          </a:prstGeom>
+          <a:ln w="76200">
+            <a:solidFill>
+              <a:srgbClr val="00B050"/>
+            </a:solidFill>
+          </a:ln>
+        </p:spPr>
+        <p:style>
+          <a:lnRef idx="1">
+            <a:schemeClr val="accent1"/>
+          </a:lnRef>
+          <a:fillRef idx="0">
+            <a:schemeClr val="accent1"/>
+          </a:fillRef>
+          <a:effectRef idx="0">
+            <a:schemeClr val="accent1"/>
+          </a:effectRef>
+          <a:fontRef idx="minor">
+            <a:schemeClr val="tx1"/>
+          </a:fontRef>
+        </p:style>
+      </p:cxnSp>
+      <p:cxnSp>
+        <p:nvCxnSpPr>
+          <p:cNvPr id="108" name="Straight Connector 107">
+            <a:extLst>
+              <a:ext uri="{FF2B5EF4-FFF2-40B4-BE49-F238E27FC236}">
+                <a16:creationId xmlns:a16="http://schemas.microsoft.com/office/drawing/2014/main" id="{45E6ED7D-51EC-B74F-A350-A329060E9A85}"/>
+              </a:ext>
+            </a:extLst>
+          </p:cNvPr>
+          <p:cNvCxnSpPr>
+            <a:cxnSpLocks/>
+          </p:cNvCxnSpPr>
+          <p:nvPr/>
+        </p:nvCxnSpPr>
+        <p:spPr>
+          <a:xfrm>
+            <a:off x="5088183" y="1032764"/>
+            <a:ext cx="94551" cy="197222"/>
+          </a:xfrm>
+          <a:prstGeom prst="line">
+            <a:avLst/>
+          </a:prstGeom>
+          <a:ln w="76200">
+            <a:solidFill>
+              <a:srgbClr val="00B050"/>
+            </a:solidFill>
+          </a:ln>
+        </p:spPr>
+        <p:style>
+          <a:lnRef idx="1">
+            <a:schemeClr val="accent1"/>
+          </a:lnRef>
+          <a:fillRef idx="0">
+            <a:schemeClr val="accent1"/>
+          </a:fillRef>
+          <a:effectRef idx="0">
+            <a:schemeClr val="accent1"/>
+          </a:effectRef>
+          <a:fontRef idx="minor">
+            <a:schemeClr val="tx1"/>
+          </a:fontRef>
+        </p:style>
+      </p:cxnSp>
+      <p:cxnSp>
+        <p:nvCxnSpPr>
+          <p:cNvPr id="109" name="Straight Connector 108">
+            <a:extLst>
+              <a:ext uri="{FF2B5EF4-FFF2-40B4-BE49-F238E27FC236}">
+                <a16:creationId xmlns:a16="http://schemas.microsoft.com/office/drawing/2014/main" id="{0B014384-90B9-EA41-89B9-CD227A49B637}"/>
+              </a:ext>
+            </a:extLst>
+          </p:cNvPr>
+          <p:cNvCxnSpPr>
+            <a:cxnSpLocks/>
+          </p:cNvCxnSpPr>
+          <p:nvPr/>
+        </p:nvCxnSpPr>
+        <p:spPr>
+          <a:xfrm>
+            <a:off x="4415296" y="1143095"/>
+            <a:ext cx="94551" cy="197222"/>
+          </a:xfrm>
+          <a:prstGeom prst="line">
+            <a:avLst/>
+          </a:prstGeom>
+          <a:ln w="76200">
+            <a:solidFill>
+              <a:srgbClr val="00B050"/>
+            </a:solidFill>
+          </a:ln>
+        </p:spPr>
+        <p:style>
+          <a:lnRef idx="1">
+            <a:schemeClr val="accent1"/>
+          </a:lnRef>
+          <a:fillRef idx="0">
+            <a:schemeClr val="accent1"/>
+          </a:fillRef>
+          <a:effectRef idx="0">
+            <a:schemeClr val="accent1"/>
+          </a:effectRef>
+          <a:fontRef idx="minor">
+            <a:schemeClr val="tx1"/>
+          </a:fontRef>
+        </p:style>
+      </p:cxnSp>
+      <p:sp>
+        <p:nvSpPr>
+          <p:cNvPr id="110" name="Oval 109">
+            <a:extLst>
+              <a:ext uri="{FF2B5EF4-FFF2-40B4-BE49-F238E27FC236}">
+                <a16:creationId xmlns:a16="http://schemas.microsoft.com/office/drawing/2014/main" id="{F123D2B1-018B-EC41-8858-CF25670D5763}"/>
+              </a:ext>
+            </a:extLst>
+          </p:cNvPr>
+          <p:cNvSpPr/>
+          <p:nvPr/>
+        </p:nvSpPr>
+        <p:spPr>
+          <a:xfrm rot="20415852">
+            <a:off x="537018" y="5542477"/>
+            <a:ext cx="1258428" cy="444197"/>
+          </a:xfrm>
+          <a:prstGeom prst="ellipse">
+            <a:avLst/>
+          </a:prstGeom>
+          <a:solidFill>
+            <a:schemeClr val="bg2">
+              <a:lumMod val="90000"/>
+            </a:schemeClr>
+          </a:solidFill>
+          <a:ln w="76200">
+            <a:solidFill>
+              <a:schemeClr val="accent1"/>
+            </a:solidFill>
+          </a:ln>
+        </p:spPr>
+        <p:style>
+          <a:lnRef idx="2">
+            <a:schemeClr val="accent1">
+              <a:shade val="50000"/>
+            </a:schemeClr>
+          </a:lnRef>
+          <a:fillRef idx="1">
+            <a:schemeClr val="accent1"/>
+          </a:fillRef>
+          <a:effectRef idx="0">
+            <a:schemeClr val="accent1"/>
+          </a:effectRef>
+          <a:fontRef idx="minor">
+            <a:schemeClr val="lt1"/>
+          </a:fontRef>
+        </p:style>
+        <p:txBody>
+          <a:bodyPr rtlCol="0" anchor="ctr"/>
+          <a:lstStyle/>
+          <a:p>
+            <a:pPr algn="ctr"/>
+            <a:endParaRPr lang="en-US"/>
+          </a:p>
+        </p:txBody>
+      </p:sp>
+      <p:cxnSp>
+        <p:nvCxnSpPr>
+          <p:cNvPr id="111" name="Straight Connector 110">
+            <a:extLst>
+              <a:ext uri="{FF2B5EF4-FFF2-40B4-BE49-F238E27FC236}">
+                <a16:creationId xmlns:a16="http://schemas.microsoft.com/office/drawing/2014/main" id="{8A21F3E6-8A8B-7344-BBE1-8F2F46B9E0CC}"/>
+              </a:ext>
+            </a:extLst>
+          </p:cNvPr>
+          <p:cNvCxnSpPr>
+            <a:cxnSpLocks/>
+          </p:cNvCxnSpPr>
+          <p:nvPr/>
+        </p:nvCxnSpPr>
+        <p:spPr>
+          <a:xfrm>
+            <a:off x="1186154" y="5555637"/>
+            <a:ext cx="94551" cy="197222"/>
+          </a:xfrm>
+          <a:prstGeom prst="line">
+            <a:avLst/>
+          </a:prstGeom>
+          <a:ln w="76200">
+            <a:solidFill>
+              <a:schemeClr val="accent1"/>
+            </a:solidFill>
+          </a:ln>
+        </p:spPr>
+        <p:style>
+          <a:lnRef idx="1">
+            <a:schemeClr val="accent1"/>
+          </a:lnRef>
+          <a:fillRef idx="0">
+            <a:schemeClr val="accent1"/>
+          </a:fillRef>
+          <a:effectRef idx="0">
+            <a:schemeClr val="accent1"/>
+          </a:effectRef>
+          <a:fontRef idx="minor">
+            <a:schemeClr val="tx1"/>
+          </a:fontRef>
+        </p:style>
+      </p:cxnSp>
+      <p:cxnSp>
+        <p:nvCxnSpPr>
+          <p:cNvPr id="112" name="Straight Connector 111">
+            <a:extLst>
+              <a:ext uri="{FF2B5EF4-FFF2-40B4-BE49-F238E27FC236}">
+                <a16:creationId xmlns:a16="http://schemas.microsoft.com/office/drawing/2014/main" id="{3873F538-71D0-284F-B8A0-ABBA6409020D}"/>
+              </a:ext>
+            </a:extLst>
+          </p:cNvPr>
+          <p:cNvCxnSpPr>
+            <a:cxnSpLocks/>
+          </p:cNvCxnSpPr>
+          <p:nvPr/>
+        </p:nvCxnSpPr>
+        <p:spPr>
+          <a:xfrm>
+            <a:off x="1057203" y="5776143"/>
+            <a:ext cx="94551" cy="197222"/>
+          </a:xfrm>
+          <a:prstGeom prst="line">
+            <a:avLst/>
+          </a:prstGeom>
+          <a:ln w="76200">
+            <a:solidFill>
+              <a:schemeClr val="accent1"/>
+            </a:solidFill>
+          </a:ln>
+        </p:spPr>
+        <p:style>
+          <a:lnRef idx="1">
+            <a:schemeClr val="accent1"/>
+          </a:lnRef>
+          <a:fillRef idx="0">
+            <a:schemeClr val="accent1"/>
+          </a:fillRef>
+          <a:effectRef idx="0">
+            <a:schemeClr val="accent1"/>
+          </a:effectRef>
+          <a:fontRef idx="minor">
+            <a:schemeClr val="tx1"/>
+          </a:fontRef>
+        </p:style>
+      </p:cxnSp>
+      <p:cxnSp>
+        <p:nvCxnSpPr>
+          <p:cNvPr id="113" name="Straight Connector 112">
+            <a:extLst>
+              <a:ext uri="{FF2B5EF4-FFF2-40B4-BE49-F238E27FC236}">
+                <a16:creationId xmlns:a16="http://schemas.microsoft.com/office/drawing/2014/main" id="{246BD42E-0C96-0843-B105-3B4F7651D09A}"/>
+              </a:ext>
+            </a:extLst>
+          </p:cNvPr>
+          <p:cNvCxnSpPr>
+            <a:cxnSpLocks/>
+          </p:cNvCxnSpPr>
+          <p:nvPr/>
+        </p:nvCxnSpPr>
+        <p:spPr>
+          <a:xfrm>
+            <a:off x="1448287" y="5617718"/>
+            <a:ext cx="94551" cy="197222"/>
+          </a:xfrm>
+          <a:prstGeom prst="line">
+            <a:avLst/>
+          </a:prstGeom>
+          <a:ln w="76200">
+            <a:solidFill>
+              <a:schemeClr val="accent1"/>
+            </a:solidFill>
+          </a:ln>
+        </p:spPr>
+        <p:style>
+          <a:lnRef idx="1">
+            <a:schemeClr val="accent1"/>
+          </a:lnRef>
+          <a:fillRef idx="0">
+            <a:schemeClr val="accent1"/>
+          </a:fillRef>
+          <a:effectRef idx="0">
+            <a:schemeClr val="accent1"/>
+          </a:effectRef>
+          <a:fontRef idx="minor">
+            <a:schemeClr val="tx1"/>
+          </a:fontRef>
+        </p:style>
+      </p:cxnSp>
+      <p:cxnSp>
+        <p:nvCxnSpPr>
+          <p:cNvPr id="114" name="Straight Connector 113">
+            <a:extLst>
+              <a:ext uri="{FF2B5EF4-FFF2-40B4-BE49-F238E27FC236}">
+                <a16:creationId xmlns:a16="http://schemas.microsoft.com/office/drawing/2014/main" id="{A9EE1706-1648-0B41-B577-82F92B0CDC7E}"/>
+              </a:ext>
+            </a:extLst>
+          </p:cNvPr>
+          <p:cNvCxnSpPr>
+            <a:cxnSpLocks/>
+          </p:cNvCxnSpPr>
+          <p:nvPr/>
+        </p:nvCxnSpPr>
+        <p:spPr>
+          <a:xfrm>
+            <a:off x="775400" y="5728049"/>
+            <a:ext cx="94551" cy="197222"/>
+          </a:xfrm>
+          <a:prstGeom prst="line">
+            <a:avLst/>
+          </a:prstGeom>
+          <a:ln w="76200">
+            <a:solidFill>
+              <a:schemeClr val="accent1"/>
+            </a:solidFill>
+          </a:ln>
+        </p:spPr>
+        <p:style>
+          <a:lnRef idx="1">
+            <a:schemeClr val="accent1"/>
+          </a:lnRef>
+          <a:fillRef idx="0">
+            <a:schemeClr val="accent1"/>
+          </a:fillRef>
+          <a:effectRef idx="0">
+            <a:schemeClr val="accent1"/>
+          </a:effectRef>
+          <a:fontRef idx="minor">
+            <a:schemeClr val="tx1"/>
+          </a:fontRef>
+        </p:style>
+      </p:cxnSp>
+      <p:cxnSp>
+        <p:nvCxnSpPr>
+          <p:cNvPr id="115" name="Straight Connector 114">
+            <a:extLst>
+              <a:ext uri="{FF2B5EF4-FFF2-40B4-BE49-F238E27FC236}">
+                <a16:creationId xmlns:a16="http://schemas.microsoft.com/office/drawing/2014/main" id="{373A3208-25ED-3444-9059-DB030061063C}"/>
+              </a:ext>
+            </a:extLst>
+          </p:cNvPr>
+          <p:cNvCxnSpPr>
+            <a:cxnSpLocks/>
+          </p:cNvCxnSpPr>
+          <p:nvPr/>
+        </p:nvCxnSpPr>
+        <p:spPr>
+          <a:xfrm flipV="1">
+            <a:off x="3103129" y="5499106"/>
+            <a:ext cx="626400" cy="530938"/>
+          </a:xfrm>
+          <a:prstGeom prst="line">
+            <a:avLst/>
+          </a:prstGeom>
+          <a:ln w="57150">
+            <a:solidFill>
+              <a:schemeClr val="tx1"/>
+            </a:solidFill>
+          </a:ln>
+        </p:spPr>
+        <p:style>
+          <a:lnRef idx="1">
+            <a:schemeClr val="accent1"/>
+          </a:lnRef>
+          <a:fillRef idx="0">
+            <a:schemeClr val="accent1"/>
+          </a:fillRef>
+          <a:effectRef idx="0">
+            <a:schemeClr val="accent1"/>
+          </a:effectRef>
+          <a:fontRef idx="minor">
+            <a:schemeClr val="tx1"/>
+          </a:fontRef>
+        </p:style>
+      </p:cxnSp>
     </p:spTree>
     <p:extLst>
       <p:ext uri="{BB962C8B-B14F-4D97-AF65-F5344CB8AC3E}">
